--- a/SlidesVideo/Frank-GSI25-CurvedBregmanDivergence.pptx
+++ b/SlidesVideo/Frank-GSI25-CurvedBregmanDivergence.pptx
@@ -5,7 +5,7 @@
     <p:sldMasterId id="2147483648" r:id="rId1"/>
   </p:sldMasterIdLst>
   <p:notesMasterIdLst>
-    <p:notesMasterId r:id="rId9"/>
+    <p:notesMasterId r:id="rId10"/>
   </p:notesMasterIdLst>
   <p:sldIdLst>
     <p:sldId id="256" r:id="rId2"/>
@@ -15,6 +15,7 @@
     <p:sldId id="301" r:id="rId6"/>
     <p:sldId id="411" r:id="rId7"/>
     <p:sldId id="413" r:id="rId8"/>
+    <p:sldId id="490" r:id="rId9"/>
   </p:sldIdLst>
   <p:sldSz cx="12192000" cy="6858000"/>
   <p:notesSz cx="6858000" cy="9144000"/>
@@ -113,6 +114,11 @@
       </a:defRPr>
     </a:lvl9pPr>
   </p:defaultTextStyle>
+  <p:extLst>
+    <p:ext uri="{EFAFB233-063F-42B5-8137-9DF3F51BA10A}">
+      <p15:sldGuideLst xmlns:p15="http://schemas.microsoft.com/office/powerpoint/2012/main"/>
+    </p:ext>
+  </p:extLst>
 </p:presentation>
 </file>
 
@@ -198,7 +204,7 @@
           <a:p>
             <a:fld id="{3008671C-23ED-4EC6-941E-40C0CFE3F600}" type="datetimeFigureOut">
               <a:rPr kumimoji="1" lang="ja-JP" altLang="en-US" smtClean="0"/>
-              <a:t>2025/7/1</a:t>
+              <a:t>2025/7/29</a:t>
             </a:fld>
             <a:endParaRPr kumimoji="1" lang="ja-JP" altLang="en-US"/>
           </a:p>
@@ -1895,7 +1901,7 @@
           <a:p>
             <a:fld id="{1D54AC14-42AC-4F61-87D6-0D6F6CB19D6C}" type="datetimeFigureOut">
               <a:rPr kumimoji="1" lang="ja-JP" altLang="en-US" smtClean="0"/>
-              <a:t>2025/7/1</a:t>
+              <a:t>2025/7/29</a:t>
             </a:fld>
             <a:endParaRPr kumimoji="1" lang="ja-JP" altLang="en-US"/>
           </a:p>
@@ -2095,7 +2101,7 @@
           <a:p>
             <a:fld id="{1D54AC14-42AC-4F61-87D6-0D6F6CB19D6C}" type="datetimeFigureOut">
               <a:rPr kumimoji="1" lang="ja-JP" altLang="en-US" smtClean="0"/>
-              <a:t>2025/7/1</a:t>
+              <a:t>2025/7/29</a:t>
             </a:fld>
             <a:endParaRPr kumimoji="1" lang="ja-JP" altLang="en-US"/>
           </a:p>
@@ -2305,7 +2311,7 @@
           <a:p>
             <a:fld id="{1D54AC14-42AC-4F61-87D6-0D6F6CB19D6C}" type="datetimeFigureOut">
               <a:rPr kumimoji="1" lang="ja-JP" altLang="en-US" smtClean="0"/>
-              <a:t>2025/7/1</a:t>
+              <a:t>2025/7/29</a:t>
             </a:fld>
             <a:endParaRPr kumimoji="1" lang="ja-JP" altLang="en-US"/>
           </a:p>
@@ -2505,7 +2511,7 @@
           <a:p>
             <a:fld id="{1D54AC14-42AC-4F61-87D6-0D6F6CB19D6C}" type="datetimeFigureOut">
               <a:rPr kumimoji="1" lang="ja-JP" altLang="en-US" smtClean="0"/>
-              <a:t>2025/7/1</a:t>
+              <a:t>2025/7/29</a:t>
             </a:fld>
             <a:endParaRPr kumimoji="1" lang="ja-JP" altLang="en-US"/>
           </a:p>
@@ -2781,7 +2787,7 @@
           <a:p>
             <a:fld id="{1D54AC14-42AC-4F61-87D6-0D6F6CB19D6C}" type="datetimeFigureOut">
               <a:rPr kumimoji="1" lang="ja-JP" altLang="en-US" smtClean="0"/>
-              <a:t>2025/7/1</a:t>
+              <a:t>2025/7/29</a:t>
             </a:fld>
             <a:endParaRPr kumimoji="1" lang="ja-JP" altLang="en-US"/>
           </a:p>
@@ -3049,7 +3055,7 @@
           <a:p>
             <a:fld id="{1D54AC14-42AC-4F61-87D6-0D6F6CB19D6C}" type="datetimeFigureOut">
               <a:rPr kumimoji="1" lang="ja-JP" altLang="en-US" smtClean="0"/>
-              <a:t>2025/7/1</a:t>
+              <a:t>2025/7/29</a:t>
             </a:fld>
             <a:endParaRPr kumimoji="1" lang="ja-JP" altLang="en-US"/>
           </a:p>
@@ -3464,7 +3470,7 @@
           <a:p>
             <a:fld id="{1D54AC14-42AC-4F61-87D6-0D6F6CB19D6C}" type="datetimeFigureOut">
               <a:rPr kumimoji="1" lang="ja-JP" altLang="en-US" smtClean="0"/>
-              <a:t>2025/7/1</a:t>
+              <a:t>2025/7/29</a:t>
             </a:fld>
             <a:endParaRPr kumimoji="1" lang="ja-JP" altLang="en-US"/>
           </a:p>
@@ -3606,7 +3612,7 @@
           <a:p>
             <a:fld id="{1D54AC14-42AC-4F61-87D6-0D6F6CB19D6C}" type="datetimeFigureOut">
               <a:rPr kumimoji="1" lang="ja-JP" altLang="en-US" smtClean="0"/>
-              <a:t>2025/7/1</a:t>
+              <a:t>2025/7/29</a:t>
             </a:fld>
             <a:endParaRPr kumimoji="1" lang="ja-JP" altLang="en-US"/>
           </a:p>
@@ -3719,7 +3725,7 @@
           <a:p>
             <a:fld id="{1D54AC14-42AC-4F61-87D6-0D6F6CB19D6C}" type="datetimeFigureOut">
               <a:rPr kumimoji="1" lang="ja-JP" altLang="en-US" smtClean="0"/>
-              <a:t>2025/7/1</a:t>
+              <a:t>2025/7/29</a:t>
             </a:fld>
             <a:endParaRPr kumimoji="1" lang="ja-JP" altLang="en-US"/>
           </a:p>
@@ -4032,7 +4038,7 @@
           <a:p>
             <a:fld id="{1D54AC14-42AC-4F61-87D6-0D6F6CB19D6C}" type="datetimeFigureOut">
               <a:rPr kumimoji="1" lang="ja-JP" altLang="en-US" smtClean="0"/>
-              <a:t>2025/7/1</a:t>
+              <a:t>2025/7/29</a:t>
             </a:fld>
             <a:endParaRPr kumimoji="1" lang="ja-JP" altLang="en-US"/>
           </a:p>
@@ -4321,7 +4327,7 @@
           <a:p>
             <a:fld id="{1D54AC14-42AC-4F61-87D6-0D6F6CB19D6C}" type="datetimeFigureOut">
               <a:rPr kumimoji="1" lang="ja-JP" altLang="en-US" smtClean="0"/>
-              <a:t>2025/7/1</a:t>
+              <a:t>2025/7/29</a:t>
             </a:fld>
             <a:endParaRPr kumimoji="1" lang="ja-JP" altLang="en-US"/>
           </a:p>
@@ -4564,7 +4570,7 @@
           <a:p>
             <a:fld id="{1D54AC14-42AC-4F61-87D6-0D6F6CB19D6C}" type="datetimeFigureOut">
               <a:rPr kumimoji="1" lang="ja-JP" altLang="en-US" smtClean="0"/>
-              <a:t>2025/7/1</a:t>
+              <a:t>2025/7/29</a:t>
             </a:fld>
             <a:endParaRPr kumimoji="1" lang="ja-JP" altLang="en-US"/>
           </a:p>
@@ -11869,6 +11875,86 @@
     <p:extLst>
       <p:ext uri="{BB962C8B-B14F-4D97-AF65-F5344CB8AC3E}">
         <p14:creationId xmlns:p14="http://schemas.microsoft.com/office/powerpoint/2010/main" val="3036738320"/>
+      </p:ext>
+    </p:extLst>
+  </p:cSld>
+  <p:clrMapOvr>
+    <a:masterClrMapping/>
+  </p:clrMapOvr>
+</p:sld>
+</file>
+
+<file path=ppt/slides/slide8.xml><?xml version="1.0" encoding="utf-8"?>
+<p:sld xmlns:a="http://schemas.openxmlformats.org/drawingml/2006/main" xmlns:r="http://schemas.openxmlformats.org/officeDocument/2006/relationships" xmlns:p="http://schemas.openxmlformats.org/presentationml/2006/main">
+  <p:cSld>
+    <p:spTree>
+      <p:nvGrpSpPr>
+        <p:cNvPr id="1" name=""/>
+        <p:cNvGrpSpPr/>
+        <p:nvPr/>
+      </p:nvGrpSpPr>
+      <p:grpSpPr>
+        <a:xfrm>
+          <a:off x="0" y="0"/>
+          <a:ext cx="0" cy="0"/>
+          <a:chOff x="0" y="0"/>
+          <a:chExt cx="0" cy="0"/>
+        </a:xfrm>
+      </p:grpSpPr>
+      <p:sp>
+        <p:nvSpPr>
+          <p:cNvPr id="2" name="Title 1">
+            <a:extLst>
+              <a:ext uri="{FF2B5EF4-FFF2-40B4-BE49-F238E27FC236}">
+                <a16:creationId xmlns:a16="http://schemas.microsoft.com/office/drawing/2014/main" id="{E7617CC0-3B50-6B41-F4EC-032F36F968C3}"/>
+              </a:ext>
+            </a:extLst>
+          </p:cNvPr>
+          <p:cNvSpPr>
+            <a:spLocks noGrp="1"/>
+          </p:cNvSpPr>
+          <p:nvPr>
+            <p:ph type="title"/>
+          </p:nvPr>
+        </p:nvSpPr>
+        <p:spPr/>
+        <p:txBody>
+          <a:bodyPr/>
+          <a:lstStyle/>
+          <a:p>
+            <a:endParaRPr kumimoji="1" lang="ja-JP" altLang="en-US"/>
+          </a:p>
+        </p:txBody>
+      </p:sp>
+      <p:sp>
+        <p:nvSpPr>
+          <p:cNvPr id="3" name="Content Placeholder 2">
+            <a:extLst>
+              <a:ext uri="{FF2B5EF4-FFF2-40B4-BE49-F238E27FC236}">
+                <a16:creationId xmlns:a16="http://schemas.microsoft.com/office/drawing/2014/main" id="{690BA061-AA41-9B6B-B2CA-3E01DEA4CA33}"/>
+              </a:ext>
+            </a:extLst>
+          </p:cNvPr>
+          <p:cNvSpPr>
+            <a:spLocks noGrp="1"/>
+          </p:cNvSpPr>
+          <p:nvPr>
+            <p:ph idx="1"/>
+          </p:nvPr>
+        </p:nvSpPr>
+        <p:spPr/>
+        <p:txBody>
+          <a:bodyPr/>
+          <a:lstStyle/>
+          <a:p>
+            <a:endParaRPr kumimoji="1" lang="ja-JP" altLang="en-US"/>
+          </a:p>
+        </p:txBody>
+      </p:sp>
+    </p:spTree>
+    <p:extLst>
+      <p:ext uri="{BB962C8B-B14F-4D97-AF65-F5344CB8AC3E}">
+        <p14:creationId xmlns:p14="http://schemas.microsoft.com/office/powerpoint/2010/main" val="2428846077"/>
       </p:ext>
     </p:extLst>
   </p:cSld>

--- a/SlidesVideo/Frank-GSI25-CurvedBregmanDivergence.pptx
+++ b/SlidesVideo/Frank-GSI25-CurvedBregmanDivergence.pptx
@@ -5,7 +5,7 @@
     <p:sldMasterId id="2147483648" r:id="rId1"/>
   </p:sldMasterIdLst>
   <p:notesMasterIdLst>
-    <p:notesMasterId r:id="rId10"/>
+    <p:notesMasterId r:id="rId11"/>
   </p:notesMasterIdLst>
   <p:sldIdLst>
     <p:sldId id="256" r:id="rId2"/>
@@ -15,7 +15,8 @@
     <p:sldId id="301" r:id="rId6"/>
     <p:sldId id="411" r:id="rId7"/>
     <p:sldId id="413" r:id="rId8"/>
-    <p:sldId id="490" r:id="rId9"/>
+    <p:sldId id="491" r:id="rId9"/>
+    <p:sldId id="490" r:id="rId10"/>
   </p:sldIdLst>
   <p:sldSz cx="12192000" cy="6858000"/>
   <p:notesSz cx="6858000" cy="9144000"/>
@@ -204,7 +205,7 @@
           <a:p>
             <a:fld id="{3008671C-23ED-4EC6-941E-40C0CFE3F600}" type="datetimeFigureOut">
               <a:rPr kumimoji="1" lang="ja-JP" altLang="en-US" smtClean="0"/>
-              <a:t>2025/7/29</a:t>
+              <a:t>2025/7/30</a:t>
             </a:fld>
             <a:endParaRPr kumimoji="1" lang="ja-JP" altLang="en-US"/>
           </a:p>
@@ -1901,7 +1902,7 @@
           <a:p>
             <a:fld id="{1D54AC14-42AC-4F61-87D6-0D6F6CB19D6C}" type="datetimeFigureOut">
               <a:rPr kumimoji="1" lang="ja-JP" altLang="en-US" smtClean="0"/>
-              <a:t>2025/7/29</a:t>
+              <a:t>2025/7/30</a:t>
             </a:fld>
             <a:endParaRPr kumimoji="1" lang="ja-JP" altLang="en-US"/>
           </a:p>
@@ -2101,7 +2102,7 @@
           <a:p>
             <a:fld id="{1D54AC14-42AC-4F61-87D6-0D6F6CB19D6C}" type="datetimeFigureOut">
               <a:rPr kumimoji="1" lang="ja-JP" altLang="en-US" smtClean="0"/>
-              <a:t>2025/7/29</a:t>
+              <a:t>2025/7/30</a:t>
             </a:fld>
             <a:endParaRPr kumimoji="1" lang="ja-JP" altLang="en-US"/>
           </a:p>
@@ -2311,7 +2312,7 @@
           <a:p>
             <a:fld id="{1D54AC14-42AC-4F61-87D6-0D6F6CB19D6C}" type="datetimeFigureOut">
               <a:rPr kumimoji="1" lang="ja-JP" altLang="en-US" smtClean="0"/>
-              <a:t>2025/7/29</a:t>
+              <a:t>2025/7/30</a:t>
             </a:fld>
             <a:endParaRPr kumimoji="1" lang="ja-JP" altLang="en-US"/>
           </a:p>
@@ -2511,7 +2512,7 @@
           <a:p>
             <a:fld id="{1D54AC14-42AC-4F61-87D6-0D6F6CB19D6C}" type="datetimeFigureOut">
               <a:rPr kumimoji="1" lang="ja-JP" altLang="en-US" smtClean="0"/>
-              <a:t>2025/7/29</a:t>
+              <a:t>2025/7/30</a:t>
             </a:fld>
             <a:endParaRPr kumimoji="1" lang="ja-JP" altLang="en-US"/>
           </a:p>
@@ -2787,7 +2788,7 @@
           <a:p>
             <a:fld id="{1D54AC14-42AC-4F61-87D6-0D6F6CB19D6C}" type="datetimeFigureOut">
               <a:rPr kumimoji="1" lang="ja-JP" altLang="en-US" smtClean="0"/>
-              <a:t>2025/7/29</a:t>
+              <a:t>2025/7/30</a:t>
             </a:fld>
             <a:endParaRPr kumimoji="1" lang="ja-JP" altLang="en-US"/>
           </a:p>
@@ -3055,7 +3056,7 @@
           <a:p>
             <a:fld id="{1D54AC14-42AC-4F61-87D6-0D6F6CB19D6C}" type="datetimeFigureOut">
               <a:rPr kumimoji="1" lang="ja-JP" altLang="en-US" smtClean="0"/>
-              <a:t>2025/7/29</a:t>
+              <a:t>2025/7/30</a:t>
             </a:fld>
             <a:endParaRPr kumimoji="1" lang="ja-JP" altLang="en-US"/>
           </a:p>
@@ -3470,7 +3471,7 @@
           <a:p>
             <a:fld id="{1D54AC14-42AC-4F61-87D6-0D6F6CB19D6C}" type="datetimeFigureOut">
               <a:rPr kumimoji="1" lang="ja-JP" altLang="en-US" smtClean="0"/>
-              <a:t>2025/7/29</a:t>
+              <a:t>2025/7/30</a:t>
             </a:fld>
             <a:endParaRPr kumimoji="1" lang="ja-JP" altLang="en-US"/>
           </a:p>
@@ -3612,7 +3613,7 @@
           <a:p>
             <a:fld id="{1D54AC14-42AC-4F61-87D6-0D6F6CB19D6C}" type="datetimeFigureOut">
               <a:rPr kumimoji="1" lang="ja-JP" altLang="en-US" smtClean="0"/>
-              <a:t>2025/7/29</a:t>
+              <a:t>2025/7/30</a:t>
             </a:fld>
             <a:endParaRPr kumimoji="1" lang="ja-JP" altLang="en-US"/>
           </a:p>
@@ -3725,7 +3726,7 @@
           <a:p>
             <a:fld id="{1D54AC14-42AC-4F61-87D6-0D6F6CB19D6C}" type="datetimeFigureOut">
               <a:rPr kumimoji="1" lang="ja-JP" altLang="en-US" smtClean="0"/>
-              <a:t>2025/7/29</a:t>
+              <a:t>2025/7/30</a:t>
             </a:fld>
             <a:endParaRPr kumimoji="1" lang="ja-JP" altLang="en-US"/>
           </a:p>
@@ -4038,7 +4039,7 @@
           <a:p>
             <a:fld id="{1D54AC14-42AC-4F61-87D6-0D6F6CB19D6C}" type="datetimeFigureOut">
               <a:rPr kumimoji="1" lang="ja-JP" altLang="en-US" smtClean="0"/>
-              <a:t>2025/7/29</a:t>
+              <a:t>2025/7/30</a:t>
             </a:fld>
             <a:endParaRPr kumimoji="1" lang="ja-JP" altLang="en-US"/>
           </a:p>
@@ -4327,7 +4328,7 @@
           <a:p>
             <a:fld id="{1D54AC14-42AC-4F61-87D6-0D6F6CB19D6C}" type="datetimeFigureOut">
               <a:rPr kumimoji="1" lang="ja-JP" altLang="en-US" smtClean="0"/>
-              <a:t>2025/7/29</a:t>
+              <a:t>2025/7/30</a:t>
             </a:fld>
             <a:endParaRPr kumimoji="1" lang="ja-JP" altLang="en-US"/>
           </a:p>
@@ -4570,7 +4571,7 @@
           <a:p>
             <a:fld id="{1D54AC14-42AC-4F61-87D6-0D6F6CB19D6C}" type="datetimeFigureOut">
               <a:rPr kumimoji="1" lang="ja-JP" altLang="en-US" smtClean="0"/>
-              <a:t>2025/7/29</a:t>
+              <a:t>2025/7/30</a:t>
             </a:fld>
             <a:endParaRPr kumimoji="1" lang="ja-JP" altLang="en-US"/>
           </a:p>
@@ -11903,6 +11904,846 @@
       </p:grpSpPr>
       <p:sp>
         <p:nvSpPr>
+          <p:cNvPr id="4" name="Title 1">
+            <a:extLst>
+              <a:ext uri="{FF2B5EF4-FFF2-40B4-BE49-F238E27FC236}">
+                <a16:creationId xmlns:a16="http://schemas.microsoft.com/office/drawing/2014/main" id="{6B0C7316-8A77-5B99-98F2-518C2A424975}"/>
+              </a:ext>
+            </a:extLst>
+          </p:cNvPr>
+          <p:cNvSpPr>
+            <a:spLocks noGrp="1"/>
+          </p:cNvSpPr>
+          <p:nvPr>
+            <p:ph type="title"/>
+          </p:nvPr>
+        </p:nvSpPr>
+        <p:spPr>
+          <a:xfrm>
+            <a:off x="261677" y="0"/>
+            <a:ext cx="11995355" cy="1325563"/>
+          </a:xfrm>
+        </p:spPr>
+        <p:txBody>
+          <a:bodyPr>
+            <a:normAutofit/>
+          </a:bodyPr>
+          <a:lstStyle/>
+          <a:p>
+            <a:r>
+              <a:rPr lang="en-US" altLang="ja-JP" sz="3600" b="1" dirty="0">
+                <a:solidFill>
+                  <a:srgbClr val="FFC000"/>
+                </a:solidFill>
+              </a:rPr>
+              <a:t>Generalized Artstein-Avidan—Milman Legendre transforms</a:t>
+            </a:r>
+            <a:endParaRPr kumimoji="1" lang="ja-JP" altLang="en-US" sz="3600" b="1" dirty="0">
+              <a:solidFill>
+                <a:srgbClr val="FFC000"/>
+              </a:solidFill>
+            </a:endParaRPr>
+          </a:p>
+        </p:txBody>
+      </p:sp>
+      <p:pic>
+        <p:nvPicPr>
+          <p:cNvPr id="6" name="Picture 5">
+            <a:extLst>
+              <a:ext uri="{FF2B5EF4-FFF2-40B4-BE49-F238E27FC236}">
+                <a16:creationId xmlns:a16="http://schemas.microsoft.com/office/drawing/2014/main" id="{9510C912-78AD-3F3E-5942-7F0B28120BB0}"/>
+              </a:ext>
+            </a:extLst>
+          </p:cNvPr>
+          <p:cNvPicPr>
+            <a:picLocks noChangeAspect="1"/>
+          </p:cNvPicPr>
+          <p:nvPr/>
+        </p:nvPicPr>
+        <p:blipFill>
+          <a:blip r:embed="rId2"/>
+          <a:stretch>
+            <a:fillRect/>
+          </a:stretch>
+        </p:blipFill>
+        <p:spPr>
+          <a:xfrm>
+            <a:off x="769225" y="1325563"/>
+            <a:ext cx="10401300" cy="1771650"/>
+          </a:xfrm>
+          <a:prstGeom prst="rect">
+            <a:avLst/>
+          </a:prstGeom>
+        </p:spPr>
+      </p:pic>
+      <p:pic>
+        <p:nvPicPr>
+          <p:cNvPr id="10" name="Picture 9">
+            <a:extLst>
+              <a:ext uri="{FF2B5EF4-FFF2-40B4-BE49-F238E27FC236}">
+                <a16:creationId xmlns:a16="http://schemas.microsoft.com/office/drawing/2014/main" id="{58FB47C0-5B40-62F2-2A90-BAD62461A747}"/>
+              </a:ext>
+            </a:extLst>
+          </p:cNvPr>
+          <p:cNvPicPr>
+            <a:picLocks noChangeAspect="1"/>
+          </p:cNvPicPr>
+          <p:nvPr/>
+        </p:nvPicPr>
+        <p:blipFill>
+          <a:blip r:embed="rId3"/>
+          <a:stretch>
+            <a:fillRect/>
+          </a:stretch>
+        </p:blipFill>
+        <p:spPr>
+          <a:xfrm>
+            <a:off x="938540" y="3279556"/>
+            <a:ext cx="9305925" cy="1581150"/>
+          </a:xfrm>
+          <a:prstGeom prst="rect">
+            <a:avLst/>
+          </a:prstGeom>
+        </p:spPr>
+      </p:pic>
+      <p:pic>
+        <p:nvPicPr>
+          <p:cNvPr id="11" name="Picture 10">
+            <a:extLst>
+              <a:ext uri="{FF2B5EF4-FFF2-40B4-BE49-F238E27FC236}">
+                <a16:creationId xmlns:a16="http://schemas.microsoft.com/office/drawing/2014/main" id="{B83D4C00-D91E-B465-A3DC-F3938C3F6491}"/>
+              </a:ext>
+            </a:extLst>
+          </p:cNvPr>
+          <p:cNvPicPr>
+            <a:picLocks noChangeAspect="1"/>
+          </p:cNvPicPr>
+          <p:nvPr/>
+        </p:nvPicPr>
+        <p:blipFill>
+          <a:blip r:embed="rId4"/>
+          <a:stretch>
+            <a:fillRect/>
+          </a:stretch>
+        </p:blipFill>
+        <p:spPr>
+          <a:xfrm>
+            <a:off x="2897710" y="5361814"/>
+            <a:ext cx="3514725" cy="609600"/>
+          </a:xfrm>
+          <a:prstGeom prst="rect">
+            <a:avLst/>
+          </a:prstGeom>
+        </p:spPr>
+      </p:pic>
+      <p:sp>
+        <p:nvSpPr>
+          <p:cNvPr id="12" name="TextBox 11">
+            <a:extLst>
+              <a:ext uri="{FF2B5EF4-FFF2-40B4-BE49-F238E27FC236}">
+                <a16:creationId xmlns:a16="http://schemas.microsoft.com/office/drawing/2014/main" id="{0B40979D-C634-186C-8789-02266EBF6FF5}"/>
+              </a:ext>
+            </a:extLst>
+          </p:cNvPr>
+          <p:cNvSpPr txBox="1"/>
+          <p:nvPr/>
+        </p:nvSpPr>
+        <p:spPr>
+          <a:xfrm>
+            <a:off x="1771977" y="5392759"/>
+            <a:ext cx="984565" cy="400110"/>
+          </a:xfrm>
+          <a:prstGeom prst="rect">
+            <a:avLst/>
+          </a:prstGeom>
+          <a:noFill/>
+        </p:spPr>
+        <p:txBody>
+          <a:bodyPr wrap="none" rtlCol="0">
+            <a:spAutoFit/>
+          </a:bodyPr>
+          <a:lstStyle/>
+          <a:p>
+            <a:r>
+              <a:rPr lang="en-US" altLang="ja-JP" sz="2000" dirty="0"/>
+              <a:t>w</a:t>
+            </a:r>
+            <a:r>
+              <a:rPr kumimoji="1" lang="en-US" altLang="ja-JP" sz="2000" dirty="0"/>
+              <a:t>here </a:t>
+            </a:r>
+            <a:endParaRPr kumimoji="1" lang="ja-JP" altLang="en-US" sz="2000" dirty="0"/>
+          </a:p>
+        </p:txBody>
+      </p:sp>
+      <p:sp>
+        <p:nvSpPr>
+          <p:cNvPr id="13" name="TextBox 12">
+            <a:extLst>
+              <a:ext uri="{FF2B5EF4-FFF2-40B4-BE49-F238E27FC236}">
+                <a16:creationId xmlns:a16="http://schemas.microsoft.com/office/drawing/2014/main" id="{02F81A7E-6F21-E977-DB04-57B6425D3786}"/>
+              </a:ext>
+            </a:extLst>
+          </p:cNvPr>
+          <p:cNvSpPr txBox="1"/>
+          <p:nvPr/>
+        </p:nvSpPr>
+        <p:spPr>
+          <a:xfrm>
+            <a:off x="6768709" y="5392759"/>
+            <a:ext cx="4309193" cy="400110"/>
+          </a:xfrm>
+          <a:prstGeom prst="rect">
+            <a:avLst/>
+          </a:prstGeom>
+          <a:noFill/>
+        </p:spPr>
+        <p:txBody>
+          <a:bodyPr wrap="none" rtlCol="0">
+            <a:spAutoFit/>
+          </a:bodyPr>
+          <a:lstStyle/>
+          <a:p>
+            <a:r>
+              <a:rPr lang="en-US" altLang="ja-JP" sz="2000" dirty="0"/>
+              <a:t>is the Legendre-Fenchel transform</a:t>
+            </a:r>
+            <a:endParaRPr kumimoji="1" lang="ja-JP" altLang="en-US" sz="2000" dirty="0"/>
+          </a:p>
+        </p:txBody>
+      </p:sp>
+      <p:sp>
+        <p:nvSpPr>
+          <p:cNvPr id="14" name="Rectangle 13">
+            <a:extLst>
+              <a:ext uri="{FF2B5EF4-FFF2-40B4-BE49-F238E27FC236}">
+                <a16:creationId xmlns:a16="http://schemas.microsoft.com/office/drawing/2014/main" id="{B0B1F99F-F7E0-1ED1-A7D9-9A19B90F8113}"/>
+              </a:ext>
+            </a:extLst>
+          </p:cNvPr>
+          <p:cNvSpPr/>
+          <p:nvPr/>
+        </p:nvSpPr>
+        <p:spPr>
+          <a:xfrm>
+            <a:off x="564545" y="1154124"/>
+            <a:ext cx="10513357" cy="3943393"/>
+          </a:xfrm>
+          <a:prstGeom prst="rect">
+            <a:avLst/>
+          </a:prstGeom>
+          <a:noFill/>
+          <a:ln w="63500" cap="rnd" cmpd="thinThick">
+            <a:solidFill>
+              <a:srgbClr val="FF0000"/>
+            </a:solidFill>
+            <a:round/>
+            <a:extLst>
+              <a:ext uri="{C807C97D-BFC1-408E-A445-0C87EB9F89A2}">
+                <ask:lineSketchStyleProps xmlns:ask="http://schemas.microsoft.com/office/drawing/2018/sketchyshapes" sd="1219033472">
+                  <a:custGeom>
+                    <a:avLst/>
+                    <a:gdLst>
+                      <a:gd name="connsiteX0" fmla="*/ 0 w 10087898"/>
+                      <a:gd name="connsiteY0" fmla="*/ 0 h 2019557"/>
+                      <a:gd name="connsiteX1" fmla="*/ 492527 w 10087898"/>
+                      <a:gd name="connsiteY1" fmla="*/ 0 h 2019557"/>
+                      <a:gd name="connsiteX2" fmla="*/ 783296 w 10087898"/>
+                      <a:gd name="connsiteY2" fmla="*/ 0 h 2019557"/>
+                      <a:gd name="connsiteX3" fmla="*/ 1578459 w 10087898"/>
+                      <a:gd name="connsiteY3" fmla="*/ 0 h 2019557"/>
+                      <a:gd name="connsiteX4" fmla="*/ 2070986 w 10087898"/>
+                      <a:gd name="connsiteY4" fmla="*/ 0 h 2019557"/>
+                      <a:gd name="connsiteX5" fmla="*/ 2563513 w 10087898"/>
+                      <a:gd name="connsiteY5" fmla="*/ 0 h 2019557"/>
+                      <a:gd name="connsiteX6" fmla="*/ 3358677 w 10087898"/>
+                      <a:gd name="connsiteY6" fmla="*/ 0 h 2019557"/>
+                      <a:gd name="connsiteX7" fmla="*/ 3750324 w 10087898"/>
+                      <a:gd name="connsiteY7" fmla="*/ 0 h 2019557"/>
+                      <a:gd name="connsiteX8" fmla="*/ 4545488 w 10087898"/>
+                      <a:gd name="connsiteY8" fmla="*/ 0 h 2019557"/>
+                      <a:gd name="connsiteX9" fmla="*/ 5340652 w 10087898"/>
+                      <a:gd name="connsiteY9" fmla="*/ 0 h 2019557"/>
+                      <a:gd name="connsiteX10" fmla="*/ 5934058 w 10087898"/>
+                      <a:gd name="connsiteY10" fmla="*/ 0 h 2019557"/>
+                      <a:gd name="connsiteX11" fmla="*/ 6729221 w 10087898"/>
+                      <a:gd name="connsiteY11" fmla="*/ 0 h 2019557"/>
+                      <a:gd name="connsiteX12" fmla="*/ 7221748 w 10087898"/>
+                      <a:gd name="connsiteY12" fmla="*/ 0 h 2019557"/>
+                      <a:gd name="connsiteX13" fmla="*/ 7714275 w 10087898"/>
+                      <a:gd name="connsiteY13" fmla="*/ 0 h 2019557"/>
+                      <a:gd name="connsiteX14" fmla="*/ 8408560 w 10087898"/>
+                      <a:gd name="connsiteY14" fmla="*/ 0 h 2019557"/>
+                      <a:gd name="connsiteX15" fmla="*/ 8901086 w 10087898"/>
+                      <a:gd name="connsiteY15" fmla="*/ 0 h 2019557"/>
+                      <a:gd name="connsiteX16" fmla="*/ 10087898 w 10087898"/>
+                      <a:gd name="connsiteY16" fmla="*/ 0 h 2019557"/>
+                      <a:gd name="connsiteX17" fmla="*/ 10087898 w 10087898"/>
+                      <a:gd name="connsiteY17" fmla="*/ 545280 h 2019557"/>
+                      <a:gd name="connsiteX18" fmla="*/ 10087898 w 10087898"/>
+                      <a:gd name="connsiteY18" fmla="*/ 1070365 h 2019557"/>
+                      <a:gd name="connsiteX19" fmla="*/ 10087898 w 10087898"/>
+                      <a:gd name="connsiteY19" fmla="*/ 2019557 h 2019557"/>
+                      <a:gd name="connsiteX20" fmla="*/ 9797129 w 10087898"/>
+                      <a:gd name="connsiteY20" fmla="*/ 2019557 h 2019557"/>
+                      <a:gd name="connsiteX21" fmla="*/ 9001965 w 10087898"/>
+                      <a:gd name="connsiteY21" fmla="*/ 2019557 h 2019557"/>
+                      <a:gd name="connsiteX22" fmla="*/ 8408560 w 10087898"/>
+                      <a:gd name="connsiteY22" fmla="*/ 2019557 h 2019557"/>
+                      <a:gd name="connsiteX23" fmla="*/ 8016912 w 10087898"/>
+                      <a:gd name="connsiteY23" fmla="*/ 2019557 h 2019557"/>
+                      <a:gd name="connsiteX24" fmla="*/ 7423506 w 10087898"/>
+                      <a:gd name="connsiteY24" fmla="*/ 2019557 h 2019557"/>
+                      <a:gd name="connsiteX25" fmla="*/ 7132737 w 10087898"/>
+                      <a:gd name="connsiteY25" fmla="*/ 2019557 h 2019557"/>
+                      <a:gd name="connsiteX26" fmla="*/ 6841968 w 10087898"/>
+                      <a:gd name="connsiteY26" fmla="*/ 2019557 h 2019557"/>
+                      <a:gd name="connsiteX27" fmla="*/ 6248563 w 10087898"/>
+                      <a:gd name="connsiteY27" fmla="*/ 2019557 h 2019557"/>
+                      <a:gd name="connsiteX28" fmla="*/ 5856915 w 10087898"/>
+                      <a:gd name="connsiteY28" fmla="*/ 2019557 h 2019557"/>
+                      <a:gd name="connsiteX29" fmla="*/ 5162630 w 10087898"/>
+                      <a:gd name="connsiteY29" fmla="*/ 2019557 h 2019557"/>
+                      <a:gd name="connsiteX30" fmla="*/ 4770982 w 10087898"/>
+                      <a:gd name="connsiteY30" fmla="*/ 2019557 h 2019557"/>
+                      <a:gd name="connsiteX31" fmla="*/ 4076698 w 10087898"/>
+                      <a:gd name="connsiteY31" fmla="*/ 2019557 h 2019557"/>
+                      <a:gd name="connsiteX32" fmla="*/ 3785929 w 10087898"/>
+                      <a:gd name="connsiteY32" fmla="*/ 2019557 h 2019557"/>
+                      <a:gd name="connsiteX33" fmla="*/ 3091644 w 10087898"/>
+                      <a:gd name="connsiteY33" fmla="*/ 2019557 h 2019557"/>
+                      <a:gd name="connsiteX34" fmla="*/ 2699996 w 10087898"/>
+                      <a:gd name="connsiteY34" fmla="*/ 2019557 h 2019557"/>
+                      <a:gd name="connsiteX35" fmla="*/ 2409227 w 10087898"/>
+                      <a:gd name="connsiteY35" fmla="*/ 2019557 h 2019557"/>
+                      <a:gd name="connsiteX36" fmla="*/ 2017580 w 10087898"/>
+                      <a:gd name="connsiteY36" fmla="*/ 2019557 h 2019557"/>
+                      <a:gd name="connsiteX37" fmla="*/ 1323295 w 10087898"/>
+                      <a:gd name="connsiteY37" fmla="*/ 2019557 h 2019557"/>
+                      <a:gd name="connsiteX38" fmla="*/ 931647 w 10087898"/>
+                      <a:gd name="connsiteY38" fmla="*/ 2019557 h 2019557"/>
+                      <a:gd name="connsiteX39" fmla="*/ 640878 w 10087898"/>
+                      <a:gd name="connsiteY39" fmla="*/ 2019557 h 2019557"/>
+                      <a:gd name="connsiteX40" fmla="*/ 0 w 10087898"/>
+                      <a:gd name="connsiteY40" fmla="*/ 2019557 h 2019557"/>
+                      <a:gd name="connsiteX41" fmla="*/ 0 w 10087898"/>
+                      <a:gd name="connsiteY41" fmla="*/ 1534863 h 2019557"/>
+                      <a:gd name="connsiteX42" fmla="*/ 0 w 10087898"/>
+                      <a:gd name="connsiteY42" fmla="*/ 1090561 h 2019557"/>
+                      <a:gd name="connsiteX43" fmla="*/ 0 w 10087898"/>
+                      <a:gd name="connsiteY43" fmla="*/ 585672 h 2019557"/>
+                      <a:gd name="connsiteX44" fmla="*/ 0 w 10087898"/>
+                      <a:gd name="connsiteY44" fmla="*/ 0 h 2019557"/>
+                    </a:gdLst>
+                    <a:ahLst/>
+                    <a:cxnLst>
+                      <a:cxn ang="0">
+                        <a:pos x="connsiteX0" y="connsiteY0"/>
+                      </a:cxn>
+                      <a:cxn ang="0">
+                        <a:pos x="connsiteX1" y="connsiteY1"/>
+                      </a:cxn>
+                      <a:cxn ang="0">
+                        <a:pos x="connsiteX2" y="connsiteY2"/>
+                      </a:cxn>
+                      <a:cxn ang="0">
+                        <a:pos x="connsiteX3" y="connsiteY3"/>
+                      </a:cxn>
+                      <a:cxn ang="0">
+                        <a:pos x="connsiteX4" y="connsiteY4"/>
+                      </a:cxn>
+                      <a:cxn ang="0">
+                        <a:pos x="connsiteX5" y="connsiteY5"/>
+                      </a:cxn>
+                      <a:cxn ang="0">
+                        <a:pos x="connsiteX6" y="connsiteY6"/>
+                      </a:cxn>
+                      <a:cxn ang="0">
+                        <a:pos x="connsiteX7" y="connsiteY7"/>
+                      </a:cxn>
+                      <a:cxn ang="0">
+                        <a:pos x="connsiteX8" y="connsiteY8"/>
+                      </a:cxn>
+                      <a:cxn ang="0">
+                        <a:pos x="connsiteX9" y="connsiteY9"/>
+                      </a:cxn>
+                      <a:cxn ang="0">
+                        <a:pos x="connsiteX10" y="connsiteY10"/>
+                      </a:cxn>
+                      <a:cxn ang="0">
+                        <a:pos x="connsiteX11" y="connsiteY11"/>
+                      </a:cxn>
+                      <a:cxn ang="0">
+                        <a:pos x="connsiteX12" y="connsiteY12"/>
+                      </a:cxn>
+                      <a:cxn ang="0">
+                        <a:pos x="connsiteX13" y="connsiteY13"/>
+                      </a:cxn>
+                      <a:cxn ang="0">
+                        <a:pos x="connsiteX14" y="connsiteY14"/>
+                      </a:cxn>
+                      <a:cxn ang="0">
+                        <a:pos x="connsiteX15" y="connsiteY15"/>
+                      </a:cxn>
+                      <a:cxn ang="0">
+                        <a:pos x="connsiteX16" y="connsiteY16"/>
+                      </a:cxn>
+                      <a:cxn ang="0">
+                        <a:pos x="connsiteX17" y="connsiteY17"/>
+                      </a:cxn>
+                      <a:cxn ang="0">
+                        <a:pos x="connsiteX18" y="connsiteY18"/>
+                      </a:cxn>
+                      <a:cxn ang="0">
+                        <a:pos x="connsiteX19" y="connsiteY19"/>
+                      </a:cxn>
+                      <a:cxn ang="0">
+                        <a:pos x="connsiteX20" y="connsiteY20"/>
+                      </a:cxn>
+                      <a:cxn ang="0">
+                        <a:pos x="connsiteX21" y="connsiteY21"/>
+                      </a:cxn>
+                      <a:cxn ang="0">
+                        <a:pos x="connsiteX22" y="connsiteY22"/>
+                      </a:cxn>
+                      <a:cxn ang="0">
+                        <a:pos x="connsiteX23" y="connsiteY23"/>
+                      </a:cxn>
+                      <a:cxn ang="0">
+                        <a:pos x="connsiteX24" y="connsiteY24"/>
+                      </a:cxn>
+                      <a:cxn ang="0">
+                        <a:pos x="connsiteX25" y="connsiteY25"/>
+                      </a:cxn>
+                      <a:cxn ang="0">
+                        <a:pos x="connsiteX26" y="connsiteY26"/>
+                      </a:cxn>
+                      <a:cxn ang="0">
+                        <a:pos x="connsiteX27" y="connsiteY27"/>
+                      </a:cxn>
+                      <a:cxn ang="0">
+                        <a:pos x="connsiteX28" y="connsiteY28"/>
+                      </a:cxn>
+                      <a:cxn ang="0">
+                        <a:pos x="connsiteX29" y="connsiteY29"/>
+                      </a:cxn>
+                      <a:cxn ang="0">
+                        <a:pos x="connsiteX30" y="connsiteY30"/>
+                      </a:cxn>
+                      <a:cxn ang="0">
+                        <a:pos x="connsiteX31" y="connsiteY31"/>
+                      </a:cxn>
+                      <a:cxn ang="0">
+                        <a:pos x="connsiteX32" y="connsiteY32"/>
+                      </a:cxn>
+                      <a:cxn ang="0">
+                        <a:pos x="connsiteX33" y="connsiteY33"/>
+                      </a:cxn>
+                      <a:cxn ang="0">
+                        <a:pos x="connsiteX34" y="connsiteY34"/>
+                      </a:cxn>
+                      <a:cxn ang="0">
+                        <a:pos x="connsiteX35" y="connsiteY35"/>
+                      </a:cxn>
+                      <a:cxn ang="0">
+                        <a:pos x="connsiteX36" y="connsiteY36"/>
+                      </a:cxn>
+                      <a:cxn ang="0">
+                        <a:pos x="connsiteX37" y="connsiteY37"/>
+                      </a:cxn>
+                      <a:cxn ang="0">
+                        <a:pos x="connsiteX38" y="connsiteY38"/>
+                      </a:cxn>
+                      <a:cxn ang="0">
+                        <a:pos x="connsiteX39" y="connsiteY39"/>
+                      </a:cxn>
+                      <a:cxn ang="0">
+                        <a:pos x="connsiteX40" y="connsiteY40"/>
+                      </a:cxn>
+                      <a:cxn ang="0">
+                        <a:pos x="connsiteX41" y="connsiteY41"/>
+                      </a:cxn>
+                      <a:cxn ang="0">
+                        <a:pos x="connsiteX42" y="connsiteY42"/>
+                      </a:cxn>
+                      <a:cxn ang="0">
+                        <a:pos x="connsiteX43" y="connsiteY43"/>
+                      </a:cxn>
+                      <a:cxn ang="0">
+                        <a:pos x="connsiteX44" y="connsiteY44"/>
+                      </a:cxn>
+                    </a:cxnLst>
+                    <a:rect l="l" t="t" r="r" b="b"/>
+                    <a:pathLst>
+                      <a:path w="10087898" h="2019557" extrusionOk="0">
+                        <a:moveTo>
+                          <a:pt x="0" y="0"/>
+                        </a:moveTo>
+                        <a:cubicBezTo>
+                          <a:pt x="169310" y="-12084"/>
+                          <a:pt x="334612" y="17112"/>
+                          <a:pt x="492527" y="0"/>
+                        </a:cubicBezTo>
+                        <a:cubicBezTo>
+                          <a:pt x="650442" y="-17112"/>
+                          <a:pt x="708686" y="26617"/>
+                          <a:pt x="783296" y="0"/>
+                        </a:cubicBezTo>
+                        <a:cubicBezTo>
+                          <a:pt x="857906" y="-26617"/>
+                          <a:pt x="1360119" y="27896"/>
+                          <a:pt x="1578459" y="0"/>
+                        </a:cubicBezTo>
+                        <a:cubicBezTo>
+                          <a:pt x="1796799" y="-27896"/>
+                          <a:pt x="1880308" y="51230"/>
+                          <a:pt x="2070986" y="0"/>
+                        </a:cubicBezTo>
+                        <a:cubicBezTo>
+                          <a:pt x="2261664" y="-51230"/>
+                          <a:pt x="2383870" y="27711"/>
+                          <a:pt x="2563513" y="0"/>
+                        </a:cubicBezTo>
+                        <a:cubicBezTo>
+                          <a:pt x="2743156" y="-27711"/>
+                          <a:pt x="2962957" y="79409"/>
+                          <a:pt x="3358677" y="0"/>
+                        </a:cubicBezTo>
+                        <a:cubicBezTo>
+                          <a:pt x="3754397" y="-79409"/>
+                          <a:pt x="3558139" y="12559"/>
+                          <a:pt x="3750324" y="0"/>
+                        </a:cubicBezTo>
+                        <a:cubicBezTo>
+                          <a:pt x="3942509" y="-12559"/>
+                          <a:pt x="4308549" y="64556"/>
+                          <a:pt x="4545488" y="0"/>
+                        </a:cubicBezTo>
+                        <a:cubicBezTo>
+                          <a:pt x="4782427" y="-64556"/>
+                          <a:pt x="5122812" y="37214"/>
+                          <a:pt x="5340652" y="0"/>
+                        </a:cubicBezTo>
+                        <a:cubicBezTo>
+                          <a:pt x="5558492" y="-37214"/>
+                          <a:pt x="5744631" y="11902"/>
+                          <a:pt x="5934058" y="0"/>
+                        </a:cubicBezTo>
+                        <a:cubicBezTo>
+                          <a:pt x="6123485" y="-11902"/>
+                          <a:pt x="6471219" y="34393"/>
+                          <a:pt x="6729221" y="0"/>
+                        </a:cubicBezTo>
+                        <a:cubicBezTo>
+                          <a:pt x="6987223" y="-34393"/>
+                          <a:pt x="7096863" y="13354"/>
+                          <a:pt x="7221748" y="0"/>
+                        </a:cubicBezTo>
+                        <a:cubicBezTo>
+                          <a:pt x="7346633" y="-13354"/>
+                          <a:pt x="7542365" y="26769"/>
+                          <a:pt x="7714275" y="0"/>
+                        </a:cubicBezTo>
+                        <a:cubicBezTo>
+                          <a:pt x="7886185" y="-26769"/>
+                          <a:pt x="8245744" y="53311"/>
+                          <a:pt x="8408560" y="0"/>
+                        </a:cubicBezTo>
+                        <a:cubicBezTo>
+                          <a:pt x="8571376" y="-53311"/>
+                          <a:pt x="8671904" y="55278"/>
+                          <a:pt x="8901086" y="0"/>
+                        </a:cubicBezTo>
+                        <a:cubicBezTo>
+                          <a:pt x="9130268" y="-55278"/>
+                          <a:pt x="9797756" y="136679"/>
+                          <a:pt x="10087898" y="0"/>
+                        </a:cubicBezTo>
+                        <a:cubicBezTo>
+                          <a:pt x="10134471" y="224585"/>
+                          <a:pt x="10026321" y="368593"/>
+                          <a:pt x="10087898" y="545280"/>
+                        </a:cubicBezTo>
+                        <a:cubicBezTo>
+                          <a:pt x="10149475" y="721967"/>
+                          <a:pt x="10070005" y="831306"/>
+                          <a:pt x="10087898" y="1070365"/>
+                        </a:cubicBezTo>
+                        <a:cubicBezTo>
+                          <a:pt x="10105791" y="1309425"/>
+                          <a:pt x="10038786" y="1780817"/>
+                          <a:pt x="10087898" y="2019557"/>
+                        </a:cubicBezTo>
+                        <a:cubicBezTo>
+                          <a:pt x="9943338" y="2038737"/>
+                          <a:pt x="9864924" y="2004790"/>
+                          <a:pt x="9797129" y="2019557"/>
+                        </a:cubicBezTo>
+                        <a:cubicBezTo>
+                          <a:pt x="9729334" y="2034324"/>
+                          <a:pt x="9161640" y="1991541"/>
+                          <a:pt x="9001965" y="2019557"/>
+                        </a:cubicBezTo>
+                        <a:cubicBezTo>
+                          <a:pt x="8842290" y="2047573"/>
+                          <a:pt x="8650158" y="2017759"/>
+                          <a:pt x="8408560" y="2019557"/>
+                        </a:cubicBezTo>
+                        <a:cubicBezTo>
+                          <a:pt x="8166962" y="2021355"/>
+                          <a:pt x="8166075" y="1984258"/>
+                          <a:pt x="8016912" y="2019557"/>
+                        </a:cubicBezTo>
+                        <a:cubicBezTo>
+                          <a:pt x="7867749" y="2054856"/>
+                          <a:pt x="7657508" y="1996999"/>
+                          <a:pt x="7423506" y="2019557"/>
+                        </a:cubicBezTo>
+                        <a:cubicBezTo>
+                          <a:pt x="7189504" y="2042115"/>
+                          <a:pt x="7217186" y="2003513"/>
+                          <a:pt x="7132737" y="2019557"/>
+                        </a:cubicBezTo>
+                        <a:cubicBezTo>
+                          <a:pt x="7048288" y="2035601"/>
+                          <a:pt x="6933122" y="2014099"/>
+                          <a:pt x="6841968" y="2019557"/>
+                        </a:cubicBezTo>
+                        <a:cubicBezTo>
+                          <a:pt x="6750814" y="2025015"/>
+                          <a:pt x="6438859" y="1951592"/>
+                          <a:pt x="6248563" y="2019557"/>
+                        </a:cubicBezTo>
+                        <a:cubicBezTo>
+                          <a:pt x="6058268" y="2087522"/>
+                          <a:pt x="6023953" y="1999490"/>
+                          <a:pt x="5856915" y="2019557"/>
+                        </a:cubicBezTo>
+                        <a:cubicBezTo>
+                          <a:pt x="5689877" y="2039624"/>
+                          <a:pt x="5461575" y="1952039"/>
+                          <a:pt x="5162630" y="2019557"/>
+                        </a:cubicBezTo>
+                        <a:cubicBezTo>
+                          <a:pt x="4863686" y="2087075"/>
+                          <a:pt x="4873241" y="1986559"/>
+                          <a:pt x="4770982" y="2019557"/>
+                        </a:cubicBezTo>
+                        <a:cubicBezTo>
+                          <a:pt x="4668723" y="2052555"/>
+                          <a:pt x="4227349" y="2005784"/>
+                          <a:pt x="4076698" y="2019557"/>
+                        </a:cubicBezTo>
+                        <a:cubicBezTo>
+                          <a:pt x="3926047" y="2033330"/>
+                          <a:pt x="3925148" y="2018608"/>
+                          <a:pt x="3785929" y="2019557"/>
+                        </a:cubicBezTo>
+                        <a:cubicBezTo>
+                          <a:pt x="3646710" y="2020506"/>
+                          <a:pt x="3376707" y="1952206"/>
+                          <a:pt x="3091644" y="2019557"/>
+                        </a:cubicBezTo>
+                        <a:cubicBezTo>
+                          <a:pt x="2806582" y="2086908"/>
+                          <a:pt x="2856048" y="1979419"/>
+                          <a:pt x="2699996" y="2019557"/>
+                        </a:cubicBezTo>
+                        <a:cubicBezTo>
+                          <a:pt x="2543944" y="2059695"/>
+                          <a:pt x="2485419" y="2001253"/>
+                          <a:pt x="2409227" y="2019557"/>
+                        </a:cubicBezTo>
+                        <a:cubicBezTo>
+                          <a:pt x="2333035" y="2037861"/>
+                          <a:pt x="2184595" y="1979749"/>
+                          <a:pt x="2017580" y="2019557"/>
+                        </a:cubicBezTo>
+                        <a:cubicBezTo>
+                          <a:pt x="1850565" y="2059365"/>
+                          <a:pt x="1489260" y="1996013"/>
+                          <a:pt x="1323295" y="2019557"/>
+                        </a:cubicBezTo>
+                        <a:cubicBezTo>
+                          <a:pt x="1157331" y="2043101"/>
+                          <a:pt x="1111554" y="1995817"/>
+                          <a:pt x="931647" y="2019557"/>
+                        </a:cubicBezTo>
+                        <a:cubicBezTo>
+                          <a:pt x="751740" y="2043297"/>
+                          <a:pt x="749131" y="1991580"/>
+                          <a:pt x="640878" y="2019557"/>
+                        </a:cubicBezTo>
+                        <a:cubicBezTo>
+                          <a:pt x="532625" y="2047534"/>
+                          <a:pt x="142668" y="1943640"/>
+                          <a:pt x="0" y="2019557"/>
+                        </a:cubicBezTo>
+                        <a:cubicBezTo>
+                          <a:pt x="-4366" y="1783111"/>
+                          <a:pt x="26237" y="1744813"/>
+                          <a:pt x="0" y="1534863"/>
+                        </a:cubicBezTo>
+                        <a:cubicBezTo>
+                          <a:pt x="-26237" y="1324913"/>
+                          <a:pt x="26128" y="1301547"/>
+                          <a:pt x="0" y="1090561"/>
+                        </a:cubicBezTo>
+                        <a:cubicBezTo>
+                          <a:pt x="-26128" y="879575"/>
+                          <a:pt x="4725" y="717972"/>
+                          <a:pt x="0" y="585672"/>
+                        </a:cubicBezTo>
+                        <a:cubicBezTo>
+                          <a:pt x="-4725" y="453372"/>
+                          <a:pt x="788" y="200498"/>
+                          <a:pt x="0" y="0"/>
+                        </a:cubicBezTo>
+                        <a:close/>
+                      </a:path>
+                    </a:pathLst>
+                  </a:custGeom>
+                  <ask:type>
+                    <ask:lineSketchNone/>
+                  </ask:type>
+                </ask:lineSketchStyleProps>
+              </a:ext>
+            </a:extLst>
+          </a:ln>
+        </p:spPr>
+        <p:style>
+          <a:lnRef idx="2">
+            <a:schemeClr val="accent1">
+              <a:shade val="15000"/>
+            </a:schemeClr>
+          </a:lnRef>
+          <a:fillRef idx="1">
+            <a:schemeClr val="accent1"/>
+          </a:fillRef>
+          <a:effectRef idx="0">
+            <a:schemeClr val="accent1"/>
+          </a:effectRef>
+          <a:fontRef idx="minor">
+            <a:schemeClr val="lt1"/>
+          </a:fontRef>
+        </p:style>
+        <p:txBody>
+          <a:bodyPr rtlCol="0" anchor="ctr"/>
+          <a:lstStyle/>
+          <a:p>
+            <a:pPr algn="ctr"/>
+            <a:endParaRPr kumimoji="1" lang="ja-JP" altLang="en-US"/>
+          </a:p>
+        </p:txBody>
+      </p:sp>
+      <p:sp>
+        <p:nvSpPr>
+          <p:cNvPr id="16" name="TextBox 15">
+            <a:extLst>
+              <a:ext uri="{FF2B5EF4-FFF2-40B4-BE49-F238E27FC236}">
+                <a16:creationId xmlns:a16="http://schemas.microsoft.com/office/drawing/2014/main" id="{83DC0D5C-B25A-28A4-9142-58934EE12C22}"/>
+              </a:ext>
+            </a:extLst>
+          </p:cNvPr>
+          <p:cNvSpPr txBox="1"/>
+          <p:nvPr/>
+        </p:nvSpPr>
+        <p:spPr>
+          <a:xfrm>
+            <a:off x="3392129" y="6142037"/>
+            <a:ext cx="9189431" cy="646331"/>
+          </a:xfrm>
+          <a:prstGeom prst="rect">
+            <a:avLst/>
+          </a:prstGeom>
+          <a:noFill/>
+        </p:spPr>
+        <p:txBody>
+          <a:bodyPr wrap="square">
+            <a:spAutoFit/>
+          </a:bodyPr>
+          <a:lstStyle/>
+          <a:p>
+            <a:pPr algn="l"/>
+            <a:r>
+              <a:rPr lang="en-US" altLang="ja-JP" sz="1800" b="1" i="0" u="none" strike="noStrike" baseline="0" dirty="0">
+                <a:solidFill>
+                  <a:schemeClr val="accent6"/>
+                </a:solidFill>
+                <a:latin typeface="CMR10"/>
+              </a:rPr>
+              <a:t>Shiri Artstein-Avidan and Vitali Milman. The concept of duality in convex analysis, and the</a:t>
+            </a:r>
+          </a:p>
+          <a:p>
+            <a:pPr algn="l"/>
+            <a:r>
+              <a:rPr lang="en-US" altLang="ja-JP" sz="1800" b="1" i="0" u="none" strike="noStrike" baseline="0" dirty="0">
+                <a:solidFill>
+                  <a:schemeClr val="accent6"/>
+                </a:solidFill>
+                <a:latin typeface="CMR10"/>
+              </a:rPr>
+              <a:t>characterization of the Legendre transform. </a:t>
+            </a:r>
+            <a:r>
+              <a:rPr lang="en-US" altLang="ja-JP" sz="1800" b="1" i="0" u="none" strike="noStrike" baseline="0" dirty="0">
+                <a:solidFill>
+                  <a:schemeClr val="accent6"/>
+                </a:solidFill>
+                <a:latin typeface="CMTI10"/>
+              </a:rPr>
+              <a:t>Annals of mathematics</a:t>
+            </a:r>
+            <a:r>
+              <a:rPr lang="en-US" altLang="ja-JP" sz="1800" b="1" i="0" u="none" strike="noStrike" baseline="0" dirty="0">
+                <a:solidFill>
+                  <a:schemeClr val="accent6"/>
+                </a:solidFill>
+                <a:latin typeface="CMR10"/>
+              </a:rPr>
+              <a:t>, 169:661–674, 2009.</a:t>
+            </a:r>
+            <a:endParaRPr lang="ja-JP" altLang="en-US" b="1" dirty="0">
+              <a:solidFill>
+                <a:schemeClr val="accent6"/>
+              </a:solidFill>
+            </a:endParaRPr>
+          </a:p>
+        </p:txBody>
+      </p:sp>
+    </p:spTree>
+    <p:extLst>
+      <p:ext uri="{BB962C8B-B14F-4D97-AF65-F5344CB8AC3E}">
+        <p14:creationId xmlns:p14="http://schemas.microsoft.com/office/powerpoint/2010/main" val="2018166724"/>
+      </p:ext>
+    </p:extLst>
+  </p:cSld>
+  <p:clrMapOvr>
+    <a:masterClrMapping/>
+  </p:clrMapOvr>
+</p:sld>
+</file>
+
+<file path=ppt/slides/slide9.xml><?xml version="1.0" encoding="utf-8"?>
+<p:sld xmlns:a="http://schemas.openxmlformats.org/drawingml/2006/main" xmlns:r="http://schemas.openxmlformats.org/officeDocument/2006/relationships" xmlns:p="http://schemas.openxmlformats.org/presentationml/2006/main">
+  <p:cSld>
+    <p:spTree>
+      <p:nvGrpSpPr>
+        <p:cNvPr id="1" name=""/>
+        <p:cNvGrpSpPr/>
+        <p:nvPr/>
+      </p:nvGrpSpPr>
+      <p:grpSpPr>
+        <a:xfrm>
+          <a:off x="0" y="0"/>
+          <a:ext cx="0" cy="0"/>
+          <a:chOff x="0" y="0"/>
+          <a:chExt cx="0" cy="0"/>
+        </a:xfrm>
+      </p:grpSpPr>
+      <p:sp>
+        <p:nvSpPr>
           <p:cNvPr id="2" name="Title 1">
             <a:extLst>
               <a:ext uri="{FF2B5EF4-FFF2-40B4-BE49-F238E27FC236}">
@@ -11917,36 +12758,886 @@
             <p:ph type="title"/>
           </p:nvPr>
         </p:nvSpPr>
-        <p:spPr/>
+        <p:spPr>
+          <a:xfrm>
+            <a:off x="265471" y="-136321"/>
+            <a:ext cx="11926529" cy="1325563"/>
+          </a:xfrm>
+        </p:spPr>
         <p:txBody>
-          <a:bodyPr/>
+          <a:bodyPr>
+            <a:normAutofit/>
+          </a:bodyPr>
           <a:lstStyle/>
           <a:p>
-            <a:endParaRPr kumimoji="1" lang="ja-JP" altLang="en-US"/>
+            <a:r>
+              <a:rPr lang="en-US" altLang="ja-JP" sz="3600" b="1" dirty="0">
+                <a:solidFill>
+                  <a:srgbClr val="FFC000"/>
+                </a:solidFill>
+              </a:rPr>
+              <a:t>Generalized Artstein-Avidan—Milman Legendre transforms</a:t>
+            </a:r>
+            <a:endParaRPr kumimoji="1" lang="ja-JP" altLang="en-US" sz="3600" b="1" dirty="0">
+              <a:solidFill>
+                <a:srgbClr val="FFC000"/>
+              </a:solidFill>
+            </a:endParaRPr>
+          </a:p>
+        </p:txBody>
+      </p:sp>
+      <p:pic>
+        <p:nvPicPr>
+          <p:cNvPr id="7" name="Picture 6">
+            <a:extLst>
+              <a:ext uri="{FF2B5EF4-FFF2-40B4-BE49-F238E27FC236}">
+                <a16:creationId xmlns:a16="http://schemas.microsoft.com/office/drawing/2014/main" id="{151070DF-1F24-2756-D6C3-71B285F578FC}"/>
+              </a:ext>
+            </a:extLst>
+          </p:cNvPr>
+          <p:cNvPicPr>
+            <a:picLocks noChangeAspect="1"/>
+          </p:cNvPicPr>
+          <p:nvPr/>
+        </p:nvPicPr>
+        <p:blipFill>
+          <a:blip r:embed="rId2"/>
+          <a:stretch>
+            <a:fillRect/>
+          </a:stretch>
+        </p:blipFill>
+        <p:spPr>
+          <a:xfrm>
+            <a:off x="612140" y="918312"/>
+            <a:ext cx="10744200" cy="1800225"/>
+          </a:xfrm>
+          <a:prstGeom prst="rect">
+            <a:avLst/>
+          </a:prstGeom>
+        </p:spPr>
+      </p:pic>
+      <p:pic>
+        <p:nvPicPr>
+          <p:cNvPr id="9" name="Picture 8">
+            <a:extLst>
+              <a:ext uri="{FF2B5EF4-FFF2-40B4-BE49-F238E27FC236}">
+                <a16:creationId xmlns:a16="http://schemas.microsoft.com/office/drawing/2014/main" id="{0A058FC8-2EE4-58EA-56CB-5A254B39E847}"/>
+              </a:ext>
+            </a:extLst>
+          </p:cNvPr>
+          <p:cNvPicPr>
+            <a:picLocks noChangeAspect="1"/>
+          </p:cNvPicPr>
+          <p:nvPr/>
+        </p:nvPicPr>
+        <p:blipFill>
+          <a:blip r:embed="rId3"/>
+          <a:stretch>
+            <a:fillRect/>
+          </a:stretch>
+        </p:blipFill>
+        <p:spPr>
+          <a:xfrm>
+            <a:off x="7658735" y="2237157"/>
+            <a:ext cx="3514725" cy="609600"/>
+          </a:xfrm>
+          <a:prstGeom prst="rect">
+            <a:avLst/>
+          </a:prstGeom>
+        </p:spPr>
+      </p:pic>
+      <p:pic>
+        <p:nvPicPr>
+          <p:cNvPr id="11" name="Picture 10">
+            <a:extLst>
+              <a:ext uri="{FF2B5EF4-FFF2-40B4-BE49-F238E27FC236}">
+                <a16:creationId xmlns:a16="http://schemas.microsoft.com/office/drawing/2014/main" id="{9EE51B46-C29F-16DA-CD4C-E37598E296E1}"/>
+              </a:ext>
+            </a:extLst>
+          </p:cNvPr>
+          <p:cNvPicPr>
+            <a:picLocks noChangeAspect="1"/>
+          </p:cNvPicPr>
+          <p:nvPr/>
+        </p:nvPicPr>
+        <p:blipFill>
+          <a:blip r:embed="rId4"/>
+          <a:stretch>
+            <a:fillRect/>
+          </a:stretch>
+        </p:blipFill>
+        <p:spPr>
+          <a:xfrm>
+            <a:off x="975688" y="3653575"/>
+            <a:ext cx="4003040" cy="500380"/>
+          </a:xfrm>
+          <a:prstGeom prst="rect">
+            <a:avLst/>
+          </a:prstGeom>
+        </p:spPr>
+      </p:pic>
+      <p:pic>
+        <p:nvPicPr>
+          <p:cNvPr id="15" name="Picture 14">
+            <a:extLst>
+              <a:ext uri="{FF2B5EF4-FFF2-40B4-BE49-F238E27FC236}">
+                <a16:creationId xmlns:a16="http://schemas.microsoft.com/office/drawing/2014/main" id="{C81D8DFE-E926-2A7A-4117-5D60187C5727}"/>
+              </a:ext>
+            </a:extLst>
+          </p:cNvPr>
+          <p:cNvPicPr>
+            <a:picLocks noChangeAspect="1"/>
+          </p:cNvPicPr>
+          <p:nvPr/>
+        </p:nvPicPr>
+        <p:blipFill>
+          <a:blip r:embed="rId5"/>
+          <a:stretch>
+            <a:fillRect/>
+          </a:stretch>
+        </p:blipFill>
+        <p:spPr>
+          <a:xfrm>
+            <a:off x="1869440" y="4481433"/>
+            <a:ext cx="9144000" cy="647700"/>
+          </a:xfrm>
+          <a:prstGeom prst="rect">
+            <a:avLst/>
+          </a:prstGeom>
+        </p:spPr>
+      </p:pic>
+      <p:pic>
+        <p:nvPicPr>
+          <p:cNvPr id="17" name="Picture 16">
+            <a:extLst>
+              <a:ext uri="{FF2B5EF4-FFF2-40B4-BE49-F238E27FC236}">
+                <a16:creationId xmlns:a16="http://schemas.microsoft.com/office/drawing/2014/main" id="{453D824E-C3E4-2EA2-BBDC-65DA558F2AD4}"/>
+              </a:ext>
+            </a:extLst>
+          </p:cNvPr>
+          <p:cNvPicPr>
+            <a:picLocks noChangeAspect="1"/>
+          </p:cNvPicPr>
+          <p:nvPr/>
+        </p:nvPicPr>
+        <p:blipFill>
+          <a:blip r:embed="rId6"/>
+          <a:stretch>
+            <a:fillRect/>
+          </a:stretch>
+        </p:blipFill>
+        <p:spPr>
+          <a:xfrm>
+            <a:off x="5568335" y="3653575"/>
+            <a:ext cx="6296025" cy="447675"/>
+          </a:xfrm>
+          <a:prstGeom prst="rect">
+            <a:avLst/>
+          </a:prstGeom>
+        </p:spPr>
+      </p:pic>
+      <p:pic>
+        <p:nvPicPr>
+          <p:cNvPr id="19" name="Picture 18">
+            <a:extLst>
+              <a:ext uri="{FF2B5EF4-FFF2-40B4-BE49-F238E27FC236}">
+                <a16:creationId xmlns:a16="http://schemas.microsoft.com/office/drawing/2014/main" id="{2D355B5D-00C3-19DF-CB6D-DB9596862641}"/>
+              </a:ext>
+            </a:extLst>
+          </p:cNvPr>
+          <p:cNvPicPr>
+            <a:picLocks noChangeAspect="1"/>
+          </p:cNvPicPr>
+          <p:nvPr/>
+        </p:nvPicPr>
+        <p:blipFill>
+          <a:blip r:embed="rId7"/>
+          <a:stretch>
+            <a:fillRect/>
+          </a:stretch>
+        </p:blipFill>
+        <p:spPr>
+          <a:xfrm>
+            <a:off x="5146040" y="5115328"/>
+            <a:ext cx="5867400" cy="752475"/>
+          </a:xfrm>
+          <a:prstGeom prst="rect">
+            <a:avLst/>
+          </a:prstGeom>
+        </p:spPr>
+      </p:pic>
+      <p:pic>
+        <p:nvPicPr>
+          <p:cNvPr id="21" name="Picture 20">
+            <a:extLst>
+              <a:ext uri="{FF2B5EF4-FFF2-40B4-BE49-F238E27FC236}">
+                <a16:creationId xmlns:a16="http://schemas.microsoft.com/office/drawing/2014/main" id="{60B17D7F-C320-9254-A9AA-5E983A638BF5}"/>
+              </a:ext>
+            </a:extLst>
+          </p:cNvPr>
+          <p:cNvPicPr>
+            <a:picLocks noChangeAspect="1"/>
+          </p:cNvPicPr>
+          <p:nvPr/>
+        </p:nvPicPr>
+        <p:blipFill>
+          <a:blip r:embed="rId8"/>
+          <a:stretch>
+            <a:fillRect/>
+          </a:stretch>
+        </p:blipFill>
+        <p:spPr>
+          <a:xfrm>
+            <a:off x="9721533" y="5763028"/>
+            <a:ext cx="1291907" cy="545285"/>
+          </a:xfrm>
+          <a:prstGeom prst="rect">
+            <a:avLst/>
+          </a:prstGeom>
+        </p:spPr>
+      </p:pic>
+      <p:sp>
+        <p:nvSpPr>
+          <p:cNvPr id="23" name="TextBox 22">
+            <a:extLst>
+              <a:ext uri="{FF2B5EF4-FFF2-40B4-BE49-F238E27FC236}">
+                <a16:creationId xmlns:a16="http://schemas.microsoft.com/office/drawing/2014/main" id="{B86DADBD-401F-2D75-BC11-67A40A995B02}"/>
+              </a:ext>
+            </a:extLst>
+          </p:cNvPr>
+          <p:cNvSpPr txBox="1"/>
+          <p:nvPr/>
+        </p:nvSpPr>
+        <p:spPr>
+          <a:xfrm>
+            <a:off x="10091911" y="6527425"/>
+            <a:ext cx="2163098" cy="369332"/>
+          </a:xfrm>
+          <a:prstGeom prst="rect">
+            <a:avLst/>
+          </a:prstGeom>
+          <a:noFill/>
+        </p:spPr>
+        <p:txBody>
+          <a:bodyPr wrap="square">
+            <a:spAutoFit/>
+          </a:bodyPr>
+          <a:lstStyle/>
+          <a:p>
+            <a:r>
+              <a:rPr lang="en-US" altLang="ja-JP" b="1" i="0" dirty="0">
+                <a:solidFill>
+                  <a:schemeClr val="accent6"/>
+                </a:solidFill>
+                <a:effectLst/>
+                <a:latin typeface="Lucida Grande"/>
+              </a:rPr>
+              <a:t>arXiv:2507.20577</a:t>
+            </a:r>
+            <a:endParaRPr lang="ja-JP" altLang="en-US" b="1" dirty="0">
+              <a:solidFill>
+                <a:schemeClr val="accent6"/>
+              </a:solidFill>
+            </a:endParaRPr>
           </a:p>
         </p:txBody>
       </p:sp>
       <p:sp>
         <p:nvSpPr>
-          <p:cNvPr id="3" name="Content Placeholder 2">
+          <p:cNvPr id="24" name="TextBox 23">
             <a:extLst>
               <a:ext uri="{FF2B5EF4-FFF2-40B4-BE49-F238E27FC236}">
-                <a16:creationId xmlns:a16="http://schemas.microsoft.com/office/drawing/2014/main" id="{690BA061-AA41-9B6B-B2CA-3E01DEA4CA33}"/>
+                <a16:creationId xmlns:a16="http://schemas.microsoft.com/office/drawing/2014/main" id="{77C7242A-9509-94CA-841E-0A095F3E2210}"/>
               </a:ext>
             </a:extLst>
           </p:cNvPr>
-          <p:cNvSpPr>
-            <a:spLocks noGrp="1"/>
-          </p:cNvSpPr>
-          <p:nvPr>
-            <p:ph idx="1"/>
-          </p:nvPr>
+          <p:cNvSpPr txBox="1"/>
+          <p:nvPr/>
         </p:nvSpPr>
-        <p:spPr/>
+        <p:spPr>
+          <a:xfrm>
+            <a:off x="6533002" y="2268102"/>
+            <a:ext cx="984565" cy="400110"/>
+          </a:xfrm>
+          <a:prstGeom prst="rect">
+            <a:avLst/>
+          </a:prstGeom>
+          <a:noFill/>
+        </p:spPr>
         <p:txBody>
-          <a:bodyPr/>
+          <a:bodyPr wrap="none" rtlCol="0">
+            <a:spAutoFit/>
+          </a:bodyPr>
           <a:lstStyle/>
           <a:p>
+            <a:r>
+              <a:rPr lang="en-US" altLang="ja-JP" sz="2000" dirty="0"/>
+              <a:t>w</a:t>
+            </a:r>
+            <a:r>
+              <a:rPr kumimoji="1" lang="en-US" altLang="ja-JP" sz="2000" dirty="0"/>
+              <a:t>here </a:t>
+            </a:r>
+            <a:endParaRPr kumimoji="1" lang="ja-JP" altLang="en-US" sz="2000" dirty="0"/>
+          </a:p>
+        </p:txBody>
+      </p:sp>
+      <p:sp>
+        <p:nvSpPr>
+          <p:cNvPr id="25" name="TextBox 24">
+            <a:extLst>
+              <a:ext uri="{FF2B5EF4-FFF2-40B4-BE49-F238E27FC236}">
+                <a16:creationId xmlns:a16="http://schemas.microsoft.com/office/drawing/2014/main" id="{31CA1F8B-1E7B-DAC6-86B2-B5924F0E36B1}"/>
+              </a:ext>
+            </a:extLst>
+          </p:cNvPr>
+          <p:cNvSpPr txBox="1"/>
+          <p:nvPr/>
+        </p:nvSpPr>
+        <p:spPr>
+          <a:xfrm>
+            <a:off x="975688" y="3063374"/>
+            <a:ext cx="10461518" cy="400110"/>
+          </a:xfrm>
+          <a:prstGeom prst="rect">
+            <a:avLst/>
+          </a:prstGeom>
+          <a:noFill/>
+        </p:spPr>
+        <p:txBody>
+          <a:bodyPr wrap="none" rtlCol="0">
+            <a:spAutoFit/>
+          </a:bodyPr>
+          <a:lstStyle/>
+          <a:p>
+            <a:r>
+              <a:rPr lang="en-US" altLang="ja-JP" sz="2000" dirty="0"/>
+              <a:t>Affine-deformed convex functions of both argument and returned value remain convex:</a:t>
+            </a:r>
+            <a:endParaRPr kumimoji="1" lang="ja-JP" altLang="en-US" sz="2000" dirty="0"/>
+          </a:p>
+        </p:txBody>
+      </p:sp>
+      <p:sp>
+        <p:nvSpPr>
+          <p:cNvPr id="26" name="Rectangle 25">
+            <a:extLst>
+              <a:ext uri="{FF2B5EF4-FFF2-40B4-BE49-F238E27FC236}">
+                <a16:creationId xmlns:a16="http://schemas.microsoft.com/office/drawing/2014/main" id="{B9574EF3-BEAA-D7F5-95E3-7A5364826293}"/>
+              </a:ext>
+            </a:extLst>
+          </p:cNvPr>
+          <p:cNvSpPr/>
+          <p:nvPr/>
+        </p:nvSpPr>
+        <p:spPr>
+          <a:xfrm>
+            <a:off x="1504335" y="4436690"/>
+            <a:ext cx="10028904" cy="1944445"/>
+          </a:xfrm>
+          <a:prstGeom prst="rect">
+            <a:avLst/>
+          </a:prstGeom>
+          <a:noFill/>
+          <a:ln w="63500" cap="rnd" cmpd="thinThick">
+            <a:solidFill>
+              <a:srgbClr val="FF0000"/>
+            </a:solidFill>
+            <a:round/>
+            <a:extLst>
+              <a:ext uri="{C807C97D-BFC1-408E-A445-0C87EB9F89A2}">
+                <ask:lineSketchStyleProps xmlns:ask="http://schemas.microsoft.com/office/drawing/2018/sketchyshapes" sd="1219033472">
+                  <a:custGeom>
+                    <a:avLst/>
+                    <a:gdLst>
+                      <a:gd name="connsiteX0" fmla="*/ 0 w 10087898"/>
+                      <a:gd name="connsiteY0" fmla="*/ 0 h 2019557"/>
+                      <a:gd name="connsiteX1" fmla="*/ 492527 w 10087898"/>
+                      <a:gd name="connsiteY1" fmla="*/ 0 h 2019557"/>
+                      <a:gd name="connsiteX2" fmla="*/ 783296 w 10087898"/>
+                      <a:gd name="connsiteY2" fmla="*/ 0 h 2019557"/>
+                      <a:gd name="connsiteX3" fmla="*/ 1578459 w 10087898"/>
+                      <a:gd name="connsiteY3" fmla="*/ 0 h 2019557"/>
+                      <a:gd name="connsiteX4" fmla="*/ 2070986 w 10087898"/>
+                      <a:gd name="connsiteY4" fmla="*/ 0 h 2019557"/>
+                      <a:gd name="connsiteX5" fmla="*/ 2563513 w 10087898"/>
+                      <a:gd name="connsiteY5" fmla="*/ 0 h 2019557"/>
+                      <a:gd name="connsiteX6" fmla="*/ 3358677 w 10087898"/>
+                      <a:gd name="connsiteY6" fmla="*/ 0 h 2019557"/>
+                      <a:gd name="connsiteX7" fmla="*/ 3750324 w 10087898"/>
+                      <a:gd name="connsiteY7" fmla="*/ 0 h 2019557"/>
+                      <a:gd name="connsiteX8" fmla="*/ 4545488 w 10087898"/>
+                      <a:gd name="connsiteY8" fmla="*/ 0 h 2019557"/>
+                      <a:gd name="connsiteX9" fmla="*/ 5340652 w 10087898"/>
+                      <a:gd name="connsiteY9" fmla="*/ 0 h 2019557"/>
+                      <a:gd name="connsiteX10" fmla="*/ 5934058 w 10087898"/>
+                      <a:gd name="connsiteY10" fmla="*/ 0 h 2019557"/>
+                      <a:gd name="connsiteX11" fmla="*/ 6729221 w 10087898"/>
+                      <a:gd name="connsiteY11" fmla="*/ 0 h 2019557"/>
+                      <a:gd name="connsiteX12" fmla="*/ 7221748 w 10087898"/>
+                      <a:gd name="connsiteY12" fmla="*/ 0 h 2019557"/>
+                      <a:gd name="connsiteX13" fmla="*/ 7714275 w 10087898"/>
+                      <a:gd name="connsiteY13" fmla="*/ 0 h 2019557"/>
+                      <a:gd name="connsiteX14" fmla="*/ 8408560 w 10087898"/>
+                      <a:gd name="connsiteY14" fmla="*/ 0 h 2019557"/>
+                      <a:gd name="connsiteX15" fmla="*/ 8901086 w 10087898"/>
+                      <a:gd name="connsiteY15" fmla="*/ 0 h 2019557"/>
+                      <a:gd name="connsiteX16" fmla="*/ 10087898 w 10087898"/>
+                      <a:gd name="connsiteY16" fmla="*/ 0 h 2019557"/>
+                      <a:gd name="connsiteX17" fmla="*/ 10087898 w 10087898"/>
+                      <a:gd name="connsiteY17" fmla="*/ 545280 h 2019557"/>
+                      <a:gd name="connsiteX18" fmla="*/ 10087898 w 10087898"/>
+                      <a:gd name="connsiteY18" fmla="*/ 1070365 h 2019557"/>
+                      <a:gd name="connsiteX19" fmla="*/ 10087898 w 10087898"/>
+                      <a:gd name="connsiteY19" fmla="*/ 2019557 h 2019557"/>
+                      <a:gd name="connsiteX20" fmla="*/ 9797129 w 10087898"/>
+                      <a:gd name="connsiteY20" fmla="*/ 2019557 h 2019557"/>
+                      <a:gd name="connsiteX21" fmla="*/ 9001965 w 10087898"/>
+                      <a:gd name="connsiteY21" fmla="*/ 2019557 h 2019557"/>
+                      <a:gd name="connsiteX22" fmla="*/ 8408560 w 10087898"/>
+                      <a:gd name="connsiteY22" fmla="*/ 2019557 h 2019557"/>
+                      <a:gd name="connsiteX23" fmla="*/ 8016912 w 10087898"/>
+                      <a:gd name="connsiteY23" fmla="*/ 2019557 h 2019557"/>
+                      <a:gd name="connsiteX24" fmla="*/ 7423506 w 10087898"/>
+                      <a:gd name="connsiteY24" fmla="*/ 2019557 h 2019557"/>
+                      <a:gd name="connsiteX25" fmla="*/ 7132737 w 10087898"/>
+                      <a:gd name="connsiteY25" fmla="*/ 2019557 h 2019557"/>
+                      <a:gd name="connsiteX26" fmla="*/ 6841968 w 10087898"/>
+                      <a:gd name="connsiteY26" fmla="*/ 2019557 h 2019557"/>
+                      <a:gd name="connsiteX27" fmla="*/ 6248563 w 10087898"/>
+                      <a:gd name="connsiteY27" fmla="*/ 2019557 h 2019557"/>
+                      <a:gd name="connsiteX28" fmla="*/ 5856915 w 10087898"/>
+                      <a:gd name="connsiteY28" fmla="*/ 2019557 h 2019557"/>
+                      <a:gd name="connsiteX29" fmla="*/ 5162630 w 10087898"/>
+                      <a:gd name="connsiteY29" fmla="*/ 2019557 h 2019557"/>
+                      <a:gd name="connsiteX30" fmla="*/ 4770982 w 10087898"/>
+                      <a:gd name="connsiteY30" fmla="*/ 2019557 h 2019557"/>
+                      <a:gd name="connsiteX31" fmla="*/ 4076698 w 10087898"/>
+                      <a:gd name="connsiteY31" fmla="*/ 2019557 h 2019557"/>
+                      <a:gd name="connsiteX32" fmla="*/ 3785929 w 10087898"/>
+                      <a:gd name="connsiteY32" fmla="*/ 2019557 h 2019557"/>
+                      <a:gd name="connsiteX33" fmla="*/ 3091644 w 10087898"/>
+                      <a:gd name="connsiteY33" fmla="*/ 2019557 h 2019557"/>
+                      <a:gd name="connsiteX34" fmla="*/ 2699996 w 10087898"/>
+                      <a:gd name="connsiteY34" fmla="*/ 2019557 h 2019557"/>
+                      <a:gd name="connsiteX35" fmla="*/ 2409227 w 10087898"/>
+                      <a:gd name="connsiteY35" fmla="*/ 2019557 h 2019557"/>
+                      <a:gd name="connsiteX36" fmla="*/ 2017580 w 10087898"/>
+                      <a:gd name="connsiteY36" fmla="*/ 2019557 h 2019557"/>
+                      <a:gd name="connsiteX37" fmla="*/ 1323295 w 10087898"/>
+                      <a:gd name="connsiteY37" fmla="*/ 2019557 h 2019557"/>
+                      <a:gd name="connsiteX38" fmla="*/ 931647 w 10087898"/>
+                      <a:gd name="connsiteY38" fmla="*/ 2019557 h 2019557"/>
+                      <a:gd name="connsiteX39" fmla="*/ 640878 w 10087898"/>
+                      <a:gd name="connsiteY39" fmla="*/ 2019557 h 2019557"/>
+                      <a:gd name="connsiteX40" fmla="*/ 0 w 10087898"/>
+                      <a:gd name="connsiteY40" fmla="*/ 2019557 h 2019557"/>
+                      <a:gd name="connsiteX41" fmla="*/ 0 w 10087898"/>
+                      <a:gd name="connsiteY41" fmla="*/ 1534863 h 2019557"/>
+                      <a:gd name="connsiteX42" fmla="*/ 0 w 10087898"/>
+                      <a:gd name="connsiteY42" fmla="*/ 1090561 h 2019557"/>
+                      <a:gd name="connsiteX43" fmla="*/ 0 w 10087898"/>
+                      <a:gd name="connsiteY43" fmla="*/ 585672 h 2019557"/>
+                      <a:gd name="connsiteX44" fmla="*/ 0 w 10087898"/>
+                      <a:gd name="connsiteY44" fmla="*/ 0 h 2019557"/>
+                    </a:gdLst>
+                    <a:ahLst/>
+                    <a:cxnLst>
+                      <a:cxn ang="0">
+                        <a:pos x="connsiteX0" y="connsiteY0"/>
+                      </a:cxn>
+                      <a:cxn ang="0">
+                        <a:pos x="connsiteX1" y="connsiteY1"/>
+                      </a:cxn>
+                      <a:cxn ang="0">
+                        <a:pos x="connsiteX2" y="connsiteY2"/>
+                      </a:cxn>
+                      <a:cxn ang="0">
+                        <a:pos x="connsiteX3" y="connsiteY3"/>
+                      </a:cxn>
+                      <a:cxn ang="0">
+                        <a:pos x="connsiteX4" y="connsiteY4"/>
+                      </a:cxn>
+                      <a:cxn ang="0">
+                        <a:pos x="connsiteX5" y="connsiteY5"/>
+                      </a:cxn>
+                      <a:cxn ang="0">
+                        <a:pos x="connsiteX6" y="connsiteY6"/>
+                      </a:cxn>
+                      <a:cxn ang="0">
+                        <a:pos x="connsiteX7" y="connsiteY7"/>
+                      </a:cxn>
+                      <a:cxn ang="0">
+                        <a:pos x="connsiteX8" y="connsiteY8"/>
+                      </a:cxn>
+                      <a:cxn ang="0">
+                        <a:pos x="connsiteX9" y="connsiteY9"/>
+                      </a:cxn>
+                      <a:cxn ang="0">
+                        <a:pos x="connsiteX10" y="connsiteY10"/>
+                      </a:cxn>
+                      <a:cxn ang="0">
+                        <a:pos x="connsiteX11" y="connsiteY11"/>
+                      </a:cxn>
+                      <a:cxn ang="0">
+                        <a:pos x="connsiteX12" y="connsiteY12"/>
+                      </a:cxn>
+                      <a:cxn ang="0">
+                        <a:pos x="connsiteX13" y="connsiteY13"/>
+                      </a:cxn>
+                      <a:cxn ang="0">
+                        <a:pos x="connsiteX14" y="connsiteY14"/>
+                      </a:cxn>
+                      <a:cxn ang="0">
+                        <a:pos x="connsiteX15" y="connsiteY15"/>
+                      </a:cxn>
+                      <a:cxn ang="0">
+                        <a:pos x="connsiteX16" y="connsiteY16"/>
+                      </a:cxn>
+                      <a:cxn ang="0">
+                        <a:pos x="connsiteX17" y="connsiteY17"/>
+                      </a:cxn>
+                      <a:cxn ang="0">
+                        <a:pos x="connsiteX18" y="connsiteY18"/>
+                      </a:cxn>
+                      <a:cxn ang="0">
+                        <a:pos x="connsiteX19" y="connsiteY19"/>
+                      </a:cxn>
+                      <a:cxn ang="0">
+                        <a:pos x="connsiteX20" y="connsiteY20"/>
+                      </a:cxn>
+                      <a:cxn ang="0">
+                        <a:pos x="connsiteX21" y="connsiteY21"/>
+                      </a:cxn>
+                      <a:cxn ang="0">
+                        <a:pos x="connsiteX22" y="connsiteY22"/>
+                      </a:cxn>
+                      <a:cxn ang="0">
+                        <a:pos x="connsiteX23" y="connsiteY23"/>
+                      </a:cxn>
+                      <a:cxn ang="0">
+                        <a:pos x="connsiteX24" y="connsiteY24"/>
+                      </a:cxn>
+                      <a:cxn ang="0">
+                        <a:pos x="connsiteX25" y="connsiteY25"/>
+                      </a:cxn>
+                      <a:cxn ang="0">
+                        <a:pos x="connsiteX26" y="connsiteY26"/>
+                      </a:cxn>
+                      <a:cxn ang="0">
+                        <a:pos x="connsiteX27" y="connsiteY27"/>
+                      </a:cxn>
+                      <a:cxn ang="0">
+                        <a:pos x="connsiteX28" y="connsiteY28"/>
+                      </a:cxn>
+                      <a:cxn ang="0">
+                        <a:pos x="connsiteX29" y="connsiteY29"/>
+                      </a:cxn>
+                      <a:cxn ang="0">
+                        <a:pos x="connsiteX30" y="connsiteY30"/>
+                      </a:cxn>
+                      <a:cxn ang="0">
+                        <a:pos x="connsiteX31" y="connsiteY31"/>
+                      </a:cxn>
+                      <a:cxn ang="0">
+                        <a:pos x="connsiteX32" y="connsiteY32"/>
+                      </a:cxn>
+                      <a:cxn ang="0">
+                        <a:pos x="connsiteX33" y="connsiteY33"/>
+                      </a:cxn>
+                      <a:cxn ang="0">
+                        <a:pos x="connsiteX34" y="connsiteY34"/>
+                      </a:cxn>
+                      <a:cxn ang="0">
+                        <a:pos x="connsiteX35" y="connsiteY35"/>
+                      </a:cxn>
+                      <a:cxn ang="0">
+                        <a:pos x="connsiteX36" y="connsiteY36"/>
+                      </a:cxn>
+                      <a:cxn ang="0">
+                        <a:pos x="connsiteX37" y="connsiteY37"/>
+                      </a:cxn>
+                      <a:cxn ang="0">
+                        <a:pos x="connsiteX38" y="connsiteY38"/>
+                      </a:cxn>
+                      <a:cxn ang="0">
+                        <a:pos x="connsiteX39" y="connsiteY39"/>
+                      </a:cxn>
+                      <a:cxn ang="0">
+                        <a:pos x="connsiteX40" y="connsiteY40"/>
+                      </a:cxn>
+                      <a:cxn ang="0">
+                        <a:pos x="connsiteX41" y="connsiteY41"/>
+                      </a:cxn>
+                      <a:cxn ang="0">
+                        <a:pos x="connsiteX42" y="connsiteY42"/>
+                      </a:cxn>
+                      <a:cxn ang="0">
+                        <a:pos x="connsiteX43" y="connsiteY43"/>
+                      </a:cxn>
+                      <a:cxn ang="0">
+                        <a:pos x="connsiteX44" y="connsiteY44"/>
+                      </a:cxn>
+                    </a:cxnLst>
+                    <a:rect l="l" t="t" r="r" b="b"/>
+                    <a:pathLst>
+                      <a:path w="10087898" h="2019557" extrusionOk="0">
+                        <a:moveTo>
+                          <a:pt x="0" y="0"/>
+                        </a:moveTo>
+                        <a:cubicBezTo>
+                          <a:pt x="169310" y="-12084"/>
+                          <a:pt x="334612" y="17112"/>
+                          <a:pt x="492527" y="0"/>
+                        </a:cubicBezTo>
+                        <a:cubicBezTo>
+                          <a:pt x="650442" y="-17112"/>
+                          <a:pt x="708686" y="26617"/>
+                          <a:pt x="783296" y="0"/>
+                        </a:cubicBezTo>
+                        <a:cubicBezTo>
+                          <a:pt x="857906" y="-26617"/>
+                          <a:pt x="1360119" y="27896"/>
+                          <a:pt x="1578459" y="0"/>
+                        </a:cubicBezTo>
+                        <a:cubicBezTo>
+                          <a:pt x="1796799" y="-27896"/>
+                          <a:pt x="1880308" y="51230"/>
+                          <a:pt x="2070986" y="0"/>
+                        </a:cubicBezTo>
+                        <a:cubicBezTo>
+                          <a:pt x="2261664" y="-51230"/>
+                          <a:pt x="2383870" y="27711"/>
+                          <a:pt x="2563513" y="0"/>
+                        </a:cubicBezTo>
+                        <a:cubicBezTo>
+                          <a:pt x="2743156" y="-27711"/>
+                          <a:pt x="2962957" y="79409"/>
+                          <a:pt x="3358677" y="0"/>
+                        </a:cubicBezTo>
+                        <a:cubicBezTo>
+                          <a:pt x="3754397" y="-79409"/>
+                          <a:pt x="3558139" y="12559"/>
+                          <a:pt x="3750324" y="0"/>
+                        </a:cubicBezTo>
+                        <a:cubicBezTo>
+                          <a:pt x="3942509" y="-12559"/>
+                          <a:pt x="4308549" y="64556"/>
+                          <a:pt x="4545488" y="0"/>
+                        </a:cubicBezTo>
+                        <a:cubicBezTo>
+                          <a:pt x="4782427" y="-64556"/>
+                          <a:pt x="5122812" y="37214"/>
+                          <a:pt x="5340652" y="0"/>
+                        </a:cubicBezTo>
+                        <a:cubicBezTo>
+                          <a:pt x="5558492" y="-37214"/>
+                          <a:pt x="5744631" y="11902"/>
+                          <a:pt x="5934058" y="0"/>
+                        </a:cubicBezTo>
+                        <a:cubicBezTo>
+                          <a:pt x="6123485" y="-11902"/>
+                          <a:pt x="6471219" y="34393"/>
+                          <a:pt x="6729221" y="0"/>
+                        </a:cubicBezTo>
+                        <a:cubicBezTo>
+                          <a:pt x="6987223" y="-34393"/>
+                          <a:pt x="7096863" y="13354"/>
+                          <a:pt x="7221748" y="0"/>
+                        </a:cubicBezTo>
+                        <a:cubicBezTo>
+                          <a:pt x="7346633" y="-13354"/>
+                          <a:pt x="7542365" y="26769"/>
+                          <a:pt x="7714275" y="0"/>
+                        </a:cubicBezTo>
+                        <a:cubicBezTo>
+                          <a:pt x="7886185" y="-26769"/>
+                          <a:pt x="8245744" y="53311"/>
+                          <a:pt x="8408560" y="0"/>
+                        </a:cubicBezTo>
+                        <a:cubicBezTo>
+                          <a:pt x="8571376" y="-53311"/>
+                          <a:pt x="8671904" y="55278"/>
+                          <a:pt x="8901086" y="0"/>
+                        </a:cubicBezTo>
+                        <a:cubicBezTo>
+                          <a:pt x="9130268" y="-55278"/>
+                          <a:pt x="9797756" y="136679"/>
+                          <a:pt x="10087898" y="0"/>
+                        </a:cubicBezTo>
+                        <a:cubicBezTo>
+                          <a:pt x="10134471" y="224585"/>
+                          <a:pt x="10026321" y="368593"/>
+                          <a:pt x="10087898" y="545280"/>
+                        </a:cubicBezTo>
+                        <a:cubicBezTo>
+                          <a:pt x="10149475" y="721967"/>
+                          <a:pt x="10070005" y="831306"/>
+                          <a:pt x="10087898" y="1070365"/>
+                        </a:cubicBezTo>
+                        <a:cubicBezTo>
+                          <a:pt x="10105791" y="1309425"/>
+                          <a:pt x="10038786" y="1780817"/>
+                          <a:pt x="10087898" y="2019557"/>
+                        </a:cubicBezTo>
+                        <a:cubicBezTo>
+                          <a:pt x="9943338" y="2038737"/>
+                          <a:pt x="9864924" y="2004790"/>
+                          <a:pt x="9797129" y="2019557"/>
+                        </a:cubicBezTo>
+                        <a:cubicBezTo>
+                          <a:pt x="9729334" y="2034324"/>
+                          <a:pt x="9161640" y="1991541"/>
+                          <a:pt x="9001965" y="2019557"/>
+                        </a:cubicBezTo>
+                        <a:cubicBezTo>
+                          <a:pt x="8842290" y="2047573"/>
+                          <a:pt x="8650158" y="2017759"/>
+                          <a:pt x="8408560" y="2019557"/>
+                        </a:cubicBezTo>
+                        <a:cubicBezTo>
+                          <a:pt x="8166962" y="2021355"/>
+                          <a:pt x="8166075" y="1984258"/>
+                          <a:pt x="8016912" y="2019557"/>
+                        </a:cubicBezTo>
+                        <a:cubicBezTo>
+                          <a:pt x="7867749" y="2054856"/>
+                          <a:pt x="7657508" y="1996999"/>
+                          <a:pt x="7423506" y="2019557"/>
+                        </a:cubicBezTo>
+                        <a:cubicBezTo>
+                          <a:pt x="7189504" y="2042115"/>
+                          <a:pt x="7217186" y="2003513"/>
+                          <a:pt x="7132737" y="2019557"/>
+                        </a:cubicBezTo>
+                        <a:cubicBezTo>
+                          <a:pt x="7048288" y="2035601"/>
+                          <a:pt x="6933122" y="2014099"/>
+                          <a:pt x="6841968" y="2019557"/>
+                        </a:cubicBezTo>
+                        <a:cubicBezTo>
+                          <a:pt x="6750814" y="2025015"/>
+                          <a:pt x="6438859" y="1951592"/>
+                          <a:pt x="6248563" y="2019557"/>
+                        </a:cubicBezTo>
+                        <a:cubicBezTo>
+                          <a:pt x="6058268" y="2087522"/>
+                          <a:pt x="6023953" y="1999490"/>
+                          <a:pt x="5856915" y="2019557"/>
+                        </a:cubicBezTo>
+                        <a:cubicBezTo>
+                          <a:pt x="5689877" y="2039624"/>
+                          <a:pt x="5461575" y="1952039"/>
+                          <a:pt x="5162630" y="2019557"/>
+                        </a:cubicBezTo>
+                        <a:cubicBezTo>
+                          <a:pt x="4863686" y="2087075"/>
+                          <a:pt x="4873241" y="1986559"/>
+                          <a:pt x="4770982" y="2019557"/>
+                        </a:cubicBezTo>
+                        <a:cubicBezTo>
+                          <a:pt x="4668723" y="2052555"/>
+                          <a:pt x="4227349" y="2005784"/>
+                          <a:pt x="4076698" y="2019557"/>
+                        </a:cubicBezTo>
+                        <a:cubicBezTo>
+                          <a:pt x="3926047" y="2033330"/>
+                          <a:pt x="3925148" y="2018608"/>
+                          <a:pt x="3785929" y="2019557"/>
+                        </a:cubicBezTo>
+                        <a:cubicBezTo>
+                          <a:pt x="3646710" y="2020506"/>
+                          <a:pt x="3376707" y="1952206"/>
+                          <a:pt x="3091644" y="2019557"/>
+                        </a:cubicBezTo>
+                        <a:cubicBezTo>
+                          <a:pt x="2806582" y="2086908"/>
+                          <a:pt x="2856048" y="1979419"/>
+                          <a:pt x="2699996" y="2019557"/>
+                        </a:cubicBezTo>
+                        <a:cubicBezTo>
+                          <a:pt x="2543944" y="2059695"/>
+                          <a:pt x="2485419" y="2001253"/>
+                          <a:pt x="2409227" y="2019557"/>
+                        </a:cubicBezTo>
+                        <a:cubicBezTo>
+                          <a:pt x="2333035" y="2037861"/>
+                          <a:pt x="2184595" y="1979749"/>
+                          <a:pt x="2017580" y="2019557"/>
+                        </a:cubicBezTo>
+                        <a:cubicBezTo>
+                          <a:pt x="1850565" y="2059365"/>
+                          <a:pt x="1489260" y="1996013"/>
+                          <a:pt x="1323295" y="2019557"/>
+                        </a:cubicBezTo>
+                        <a:cubicBezTo>
+                          <a:pt x="1157331" y="2043101"/>
+                          <a:pt x="1111554" y="1995817"/>
+                          <a:pt x="931647" y="2019557"/>
+                        </a:cubicBezTo>
+                        <a:cubicBezTo>
+                          <a:pt x="751740" y="2043297"/>
+                          <a:pt x="749131" y="1991580"/>
+                          <a:pt x="640878" y="2019557"/>
+                        </a:cubicBezTo>
+                        <a:cubicBezTo>
+                          <a:pt x="532625" y="2047534"/>
+                          <a:pt x="142668" y="1943640"/>
+                          <a:pt x="0" y="2019557"/>
+                        </a:cubicBezTo>
+                        <a:cubicBezTo>
+                          <a:pt x="-4366" y="1783111"/>
+                          <a:pt x="26237" y="1744813"/>
+                          <a:pt x="0" y="1534863"/>
+                        </a:cubicBezTo>
+                        <a:cubicBezTo>
+                          <a:pt x="-26237" y="1324913"/>
+                          <a:pt x="26128" y="1301547"/>
+                          <a:pt x="0" y="1090561"/>
+                        </a:cubicBezTo>
+                        <a:cubicBezTo>
+                          <a:pt x="-26128" y="879575"/>
+                          <a:pt x="4725" y="717972"/>
+                          <a:pt x="0" y="585672"/>
+                        </a:cubicBezTo>
+                        <a:cubicBezTo>
+                          <a:pt x="-4725" y="453372"/>
+                          <a:pt x="788" y="200498"/>
+                          <a:pt x="0" y="0"/>
+                        </a:cubicBezTo>
+                        <a:close/>
+                      </a:path>
+                    </a:pathLst>
+                  </a:custGeom>
+                  <ask:type>
+                    <ask:lineSketchNone/>
+                  </ask:type>
+                </ask:lineSketchStyleProps>
+              </a:ext>
+            </a:extLst>
+          </a:ln>
+        </p:spPr>
+        <p:style>
+          <a:lnRef idx="2">
+            <a:schemeClr val="accent1">
+              <a:shade val="15000"/>
+            </a:schemeClr>
+          </a:lnRef>
+          <a:fillRef idx="1">
+            <a:schemeClr val="accent1"/>
+          </a:fillRef>
+          <a:effectRef idx="0">
+            <a:schemeClr val="accent1"/>
+          </a:effectRef>
+          <a:fontRef idx="minor">
+            <a:schemeClr val="lt1"/>
+          </a:fontRef>
+        </p:style>
+        <p:txBody>
+          <a:bodyPr rtlCol="0" anchor="ctr"/>
+          <a:lstStyle/>
+          <a:p>
+            <a:pPr algn="ctr"/>
             <a:endParaRPr kumimoji="1" lang="ja-JP" altLang="en-US"/>
           </a:p>
         </p:txBody>
